--- a/src/13-Tests, Macros, Unsafe/13-Tests, Macros, Unsafe.pptx
+++ b/src/13-Tests, Macros, Unsafe/13-Tests, Macros, Unsafe.pptx
@@ -6,41 +6,42 @@
   </p:sldMasterIdLst>
   <p:sldIdLst>
     <p:sldId id="256" r:id="rId2"/>
-    <p:sldId id="298" r:id="rId3"/>
-    <p:sldId id="299" r:id="rId4"/>
-    <p:sldId id="300" r:id="rId5"/>
-    <p:sldId id="301" r:id="rId6"/>
-    <p:sldId id="302" r:id="rId7"/>
-    <p:sldId id="303" r:id="rId8"/>
-    <p:sldId id="304" r:id="rId9"/>
-    <p:sldId id="305" r:id="rId10"/>
-    <p:sldId id="307" r:id="rId11"/>
-    <p:sldId id="308" r:id="rId12"/>
-    <p:sldId id="309" r:id="rId13"/>
-    <p:sldId id="310" r:id="rId14"/>
-    <p:sldId id="316" r:id="rId15"/>
-    <p:sldId id="311" r:id="rId16"/>
-    <p:sldId id="313" r:id="rId17"/>
-    <p:sldId id="314" r:id="rId18"/>
-    <p:sldId id="315" r:id="rId19"/>
-    <p:sldId id="317" r:id="rId20"/>
-    <p:sldId id="318" r:id="rId21"/>
-    <p:sldId id="319" r:id="rId22"/>
-    <p:sldId id="320" r:id="rId23"/>
-    <p:sldId id="321" r:id="rId24"/>
-    <p:sldId id="322" r:id="rId25"/>
-    <p:sldId id="323" r:id="rId26"/>
-    <p:sldId id="324" r:id="rId27"/>
-    <p:sldId id="325" r:id="rId28"/>
-    <p:sldId id="326" r:id="rId29"/>
-    <p:sldId id="328" r:id="rId30"/>
-    <p:sldId id="327" r:id="rId31"/>
-    <p:sldId id="329" r:id="rId32"/>
-    <p:sldId id="330" r:id="rId33"/>
-    <p:sldId id="331" r:id="rId34"/>
-    <p:sldId id="332" r:id="rId35"/>
-    <p:sldId id="333" r:id="rId36"/>
-    <p:sldId id="334" r:id="rId37"/>
+    <p:sldId id="335" r:id="rId3"/>
+    <p:sldId id="298" r:id="rId4"/>
+    <p:sldId id="299" r:id="rId5"/>
+    <p:sldId id="300" r:id="rId6"/>
+    <p:sldId id="301" r:id="rId7"/>
+    <p:sldId id="302" r:id="rId8"/>
+    <p:sldId id="303" r:id="rId9"/>
+    <p:sldId id="304" r:id="rId10"/>
+    <p:sldId id="305" r:id="rId11"/>
+    <p:sldId id="307" r:id="rId12"/>
+    <p:sldId id="308" r:id="rId13"/>
+    <p:sldId id="309" r:id="rId14"/>
+    <p:sldId id="310" r:id="rId15"/>
+    <p:sldId id="316" r:id="rId16"/>
+    <p:sldId id="311" r:id="rId17"/>
+    <p:sldId id="313" r:id="rId18"/>
+    <p:sldId id="314" r:id="rId19"/>
+    <p:sldId id="315" r:id="rId20"/>
+    <p:sldId id="317" r:id="rId21"/>
+    <p:sldId id="318" r:id="rId22"/>
+    <p:sldId id="319" r:id="rId23"/>
+    <p:sldId id="320" r:id="rId24"/>
+    <p:sldId id="321" r:id="rId25"/>
+    <p:sldId id="322" r:id="rId26"/>
+    <p:sldId id="323" r:id="rId27"/>
+    <p:sldId id="324" r:id="rId28"/>
+    <p:sldId id="325" r:id="rId29"/>
+    <p:sldId id="326" r:id="rId30"/>
+    <p:sldId id="328" r:id="rId31"/>
+    <p:sldId id="327" r:id="rId32"/>
+    <p:sldId id="329" r:id="rId33"/>
+    <p:sldId id="330" r:id="rId34"/>
+    <p:sldId id="331" r:id="rId35"/>
+    <p:sldId id="332" r:id="rId36"/>
+    <p:sldId id="333" r:id="rId37"/>
+    <p:sldId id="334" r:id="rId38"/>
   </p:sldIdLst>
   <p:sldSz cx="12192000" cy="6858000"/>
   <p:notesSz cx="6858000" cy="9144000"/>
@@ -145,6 +146,7 @@
         <p14:section name="Default Section" id="{9350FB1C-05BD-4CC9-9543-82B9E00A83A4}">
           <p14:sldIdLst>
             <p14:sldId id="256"/>
+            <p14:sldId id="335"/>
           </p14:sldIdLst>
         </p14:section>
         <p14:section name="Tests" id="{8F8D4F5C-E069-4925-8D8C-57840FE03CC9}">
@@ -2757,7 +2759,7 @@
           <a:p>
             <a:fld id="{EFAAC8F1-21AA-47EF-82D9-7929EA07D29D}" type="datetimeFigureOut">
               <a:rPr lang="ru-RU" smtClean="0"/>
-              <a:t>06.05.2023</a:t>
+              <a:t>09.05.2023</a:t>
             </a:fld>
             <a:endParaRPr lang="ru-RU"/>
           </a:p>
@@ -2957,7 +2959,7 @@
           <a:p>
             <a:fld id="{EFAAC8F1-21AA-47EF-82D9-7929EA07D29D}" type="datetimeFigureOut">
               <a:rPr lang="ru-RU" smtClean="0"/>
-              <a:t>06.05.2023</a:t>
+              <a:t>09.05.2023</a:t>
             </a:fld>
             <a:endParaRPr lang="ru-RU"/>
           </a:p>
@@ -3167,7 +3169,7 @@
           <a:p>
             <a:fld id="{EFAAC8F1-21AA-47EF-82D9-7929EA07D29D}" type="datetimeFigureOut">
               <a:rPr lang="ru-RU" smtClean="0"/>
-              <a:t>06.05.2023</a:t>
+              <a:t>09.05.2023</a:t>
             </a:fld>
             <a:endParaRPr lang="ru-RU"/>
           </a:p>
@@ -3367,7 +3369,7 @@
           <a:p>
             <a:fld id="{EFAAC8F1-21AA-47EF-82D9-7929EA07D29D}" type="datetimeFigureOut">
               <a:rPr lang="ru-RU" smtClean="0"/>
-              <a:t>06.05.2023</a:t>
+              <a:t>09.05.2023</a:t>
             </a:fld>
             <a:endParaRPr lang="ru-RU"/>
           </a:p>
@@ -3643,7 +3645,7 @@
           <a:p>
             <a:fld id="{EFAAC8F1-21AA-47EF-82D9-7929EA07D29D}" type="datetimeFigureOut">
               <a:rPr lang="ru-RU" smtClean="0"/>
-              <a:t>06.05.2023</a:t>
+              <a:t>09.05.2023</a:t>
             </a:fld>
             <a:endParaRPr lang="ru-RU"/>
           </a:p>
@@ -3911,7 +3913,7 @@
           <a:p>
             <a:fld id="{EFAAC8F1-21AA-47EF-82D9-7929EA07D29D}" type="datetimeFigureOut">
               <a:rPr lang="ru-RU" smtClean="0"/>
-              <a:t>06.05.2023</a:t>
+              <a:t>09.05.2023</a:t>
             </a:fld>
             <a:endParaRPr lang="ru-RU"/>
           </a:p>
@@ -4326,7 +4328,7 @@
           <a:p>
             <a:fld id="{EFAAC8F1-21AA-47EF-82D9-7929EA07D29D}" type="datetimeFigureOut">
               <a:rPr lang="ru-RU" smtClean="0"/>
-              <a:t>06.05.2023</a:t>
+              <a:t>09.05.2023</a:t>
             </a:fld>
             <a:endParaRPr lang="ru-RU"/>
           </a:p>
@@ -4468,7 +4470,7 @@
           <a:p>
             <a:fld id="{EFAAC8F1-21AA-47EF-82D9-7929EA07D29D}" type="datetimeFigureOut">
               <a:rPr lang="ru-RU" smtClean="0"/>
-              <a:t>06.05.2023</a:t>
+              <a:t>09.05.2023</a:t>
             </a:fld>
             <a:endParaRPr lang="ru-RU"/>
           </a:p>
@@ -4581,7 +4583,7 @@
           <a:p>
             <a:fld id="{EFAAC8F1-21AA-47EF-82D9-7929EA07D29D}" type="datetimeFigureOut">
               <a:rPr lang="ru-RU" smtClean="0"/>
-              <a:t>06.05.2023</a:t>
+              <a:t>09.05.2023</a:t>
             </a:fld>
             <a:endParaRPr lang="ru-RU"/>
           </a:p>
@@ -4894,7 +4896,7 @@
           <a:p>
             <a:fld id="{EFAAC8F1-21AA-47EF-82D9-7929EA07D29D}" type="datetimeFigureOut">
               <a:rPr lang="ru-RU" smtClean="0"/>
-              <a:t>06.05.2023</a:t>
+              <a:t>09.05.2023</a:t>
             </a:fld>
             <a:endParaRPr lang="ru-RU"/>
           </a:p>
@@ -5183,7 +5185,7 @@
           <a:p>
             <a:fld id="{EFAAC8F1-21AA-47EF-82D9-7929EA07D29D}" type="datetimeFigureOut">
               <a:rPr lang="ru-RU" smtClean="0"/>
-              <a:t>06.05.2023</a:t>
+              <a:t>09.05.2023</a:t>
             </a:fld>
             <a:endParaRPr lang="ru-RU"/>
           </a:p>
@@ -5426,7 +5428,7 @@
           <a:p>
             <a:fld id="{EFAAC8F1-21AA-47EF-82D9-7929EA07D29D}" type="datetimeFigureOut">
               <a:rPr lang="ru-RU" smtClean="0"/>
-              <a:t>06.05.2023</a:t>
+              <a:t>09.05.2023</a:t>
             </a:fld>
             <a:endParaRPr lang="ru-RU"/>
           </a:p>
@@ -5942,6 +5944,1089 @@
           <p:cNvPr id="2" name="Title 1">
             <a:extLst>
               <a:ext uri="{FF2B5EF4-FFF2-40B4-BE49-F238E27FC236}">
+                <a16:creationId xmlns:a16="http://schemas.microsoft.com/office/drawing/2014/main" id="{719BB90A-4882-F383-530E-C7CAD1A2369F}"/>
+              </a:ext>
+            </a:extLst>
+          </p:cNvPr>
+          <p:cNvSpPr>
+            <a:spLocks noGrp="1"/>
+          </p:cNvSpPr>
+          <p:nvPr>
+            <p:ph type="title"/>
+          </p:nvPr>
+        </p:nvSpPr>
+        <p:spPr/>
+        <p:txBody>
+          <a:bodyPr/>
+          <a:lstStyle/>
+          <a:p>
+            <a:r>
+              <a:rPr lang="en-US" dirty="0"/>
+              <a:t>How to test </a:t>
+            </a:r>
+            <a:r>
+              <a:rPr lang="en-US" dirty="0" err="1">
+                <a:solidFill>
+                  <a:srgbClr val="DD6718"/>
+                </a:solidFill>
+                <a:effectLst/>
+                <a:latin typeface="JetBrains Mono"/>
+              </a:rPr>
+              <a:t>println</a:t>
+            </a:r>
+            <a:r>
+              <a:rPr lang="en-US" dirty="0">
+                <a:solidFill>
+                  <a:srgbClr val="DD6718"/>
+                </a:solidFill>
+                <a:effectLst/>
+                <a:latin typeface="JetBrains Mono"/>
+              </a:rPr>
+              <a:t>!</a:t>
+            </a:r>
+            <a:r>
+              <a:rPr lang="en-US" dirty="0">
+                <a:solidFill>
+                  <a:srgbClr val="080808"/>
+                </a:solidFill>
+                <a:effectLst/>
+                <a:latin typeface="JetBrains Mono"/>
+              </a:rPr>
+              <a:t>(</a:t>
+            </a:r>
+            <a:r>
+              <a:rPr lang="en-US" dirty="0">
+                <a:solidFill>
+                  <a:srgbClr val="067D17"/>
+                </a:solidFill>
+                <a:effectLst/>
+                <a:latin typeface="JetBrains Mono"/>
+              </a:rPr>
+              <a:t>“…"</a:t>
+            </a:r>
+            <a:r>
+              <a:rPr lang="en-US" dirty="0">
+                <a:solidFill>
+                  <a:srgbClr val="080808"/>
+                </a:solidFill>
+                <a:effectLst/>
+                <a:latin typeface="JetBrains Mono"/>
+              </a:rPr>
+              <a:t>)?</a:t>
+            </a:r>
+            <a:endParaRPr lang="ru-RU" dirty="0"/>
+          </a:p>
+        </p:txBody>
+      </p:sp>
+      <p:sp>
+        <p:nvSpPr>
+          <p:cNvPr id="3" name="Content Placeholder 2">
+            <a:extLst>
+              <a:ext uri="{FF2B5EF4-FFF2-40B4-BE49-F238E27FC236}">
+                <a16:creationId xmlns:a16="http://schemas.microsoft.com/office/drawing/2014/main" id="{7FBB964E-9D46-9CF3-9060-6480B7408747}"/>
+              </a:ext>
+            </a:extLst>
+          </p:cNvPr>
+          <p:cNvSpPr>
+            <a:spLocks noGrp="1"/>
+          </p:cNvSpPr>
+          <p:nvPr>
+            <p:ph sz="half" idx="1"/>
+          </p:nvPr>
+        </p:nvSpPr>
+        <p:spPr>
+          <a:xfrm>
+            <a:off x="838200" y="1825625"/>
+            <a:ext cx="4434385" cy="4351338"/>
+          </a:xfrm>
+        </p:spPr>
+        <p:txBody>
+          <a:bodyPr/>
+          <a:lstStyle/>
+          <a:p>
+            <a:pPr>
+              <a:buFontTx/>
+              <a:buChar char="-"/>
+            </a:pPr>
+            <a:r>
+              <a:rPr lang="en-US" b="1" i="1" dirty="0"/>
+              <a:t>lib.rs</a:t>
+            </a:r>
+          </a:p>
+          <a:p>
+            <a:pPr marL="0" indent="0">
+              <a:buNone/>
+            </a:pPr>
+            <a:r>
+              <a:rPr lang="en-US" dirty="0">
+                <a:solidFill>
+                  <a:srgbClr val="0033B3"/>
+                </a:solidFill>
+                <a:effectLst/>
+                <a:latin typeface="JetBrains Mono"/>
+              </a:rPr>
+              <a:t>pub </a:t>
+            </a:r>
+            <a:r>
+              <a:rPr lang="en-US" dirty="0" err="1">
+                <a:solidFill>
+                  <a:srgbClr val="0033B3"/>
+                </a:solidFill>
+                <a:effectLst/>
+                <a:latin typeface="JetBrains Mono"/>
+              </a:rPr>
+              <a:t>fn</a:t>
+            </a:r>
+            <a:r>
+              <a:rPr lang="en-US" dirty="0">
+                <a:solidFill>
+                  <a:srgbClr val="0033B3"/>
+                </a:solidFill>
+                <a:effectLst/>
+                <a:latin typeface="JetBrains Mono"/>
+              </a:rPr>
+              <a:t> </a:t>
+            </a:r>
+            <a:r>
+              <a:rPr lang="en-US" dirty="0">
+                <a:solidFill>
+                  <a:srgbClr val="00627A"/>
+                </a:solidFill>
+                <a:effectLst/>
+                <a:latin typeface="JetBrains Mono"/>
+              </a:rPr>
+              <a:t>run</a:t>
+            </a:r>
+            <a:r>
+              <a:rPr lang="en-US" dirty="0">
+                <a:solidFill>
+                  <a:srgbClr val="080808"/>
+                </a:solidFill>
+                <a:effectLst/>
+                <a:latin typeface="JetBrains Mono"/>
+              </a:rPr>
+              <a:t>(</a:t>
+            </a:r>
+            <a:r>
+              <a:rPr lang="en-US" dirty="0" err="1">
+                <a:solidFill>
+                  <a:srgbClr val="080808"/>
+                </a:solidFill>
+                <a:effectLst/>
+                <a:latin typeface="JetBrains Mono"/>
+              </a:rPr>
+              <a:t>stdout</a:t>
+            </a:r>
+            <a:r>
+              <a:rPr lang="en-US" dirty="0">
+                <a:solidFill>
+                  <a:srgbClr val="080808"/>
+                </a:solidFill>
+                <a:effectLst/>
+                <a:latin typeface="JetBrains Mono"/>
+              </a:rPr>
+              <a:t>: &amp;</a:t>
+            </a:r>
+            <a:r>
+              <a:rPr lang="en-US" dirty="0">
+                <a:solidFill>
+                  <a:srgbClr val="0033B3"/>
+                </a:solidFill>
+                <a:effectLst/>
+                <a:latin typeface="JetBrains Mono"/>
+              </a:rPr>
+              <a:t>mut </a:t>
+            </a:r>
+            <a:r>
+              <a:rPr lang="en-US" dirty="0" err="1">
+                <a:solidFill>
+                  <a:srgbClr val="0033B3"/>
+                </a:solidFill>
+                <a:effectLst/>
+                <a:latin typeface="JetBrains Mono"/>
+              </a:rPr>
+              <a:t>dyn</a:t>
+            </a:r>
+            <a:r>
+              <a:rPr lang="en-US" dirty="0">
+                <a:solidFill>
+                  <a:srgbClr val="0033B3"/>
+                </a:solidFill>
+                <a:effectLst/>
+                <a:latin typeface="JetBrains Mono"/>
+              </a:rPr>
+              <a:t> </a:t>
+            </a:r>
+            <a:r>
+              <a:rPr lang="en-US" dirty="0">
+                <a:solidFill>
+                  <a:srgbClr val="000000"/>
+                </a:solidFill>
+                <a:effectLst/>
+                <a:latin typeface="JetBrains Mono"/>
+              </a:rPr>
+              <a:t>Write</a:t>
+            </a:r>
+            <a:r>
+              <a:rPr lang="en-US" dirty="0">
+                <a:solidFill>
+                  <a:srgbClr val="080808"/>
+                </a:solidFill>
+                <a:effectLst/>
+                <a:latin typeface="JetBrains Mono"/>
+              </a:rPr>
+              <a:t>){</a:t>
+            </a:r>
+            <a:br>
+              <a:rPr lang="en-US" dirty="0">
+                <a:solidFill>
+                  <a:srgbClr val="080808"/>
+                </a:solidFill>
+                <a:effectLst/>
+                <a:latin typeface="JetBrains Mono"/>
+              </a:rPr>
+            </a:br>
+            <a:r>
+              <a:rPr lang="en-US" dirty="0">
+                <a:solidFill>
+                  <a:srgbClr val="080808"/>
+                </a:solidFill>
+                <a:effectLst/>
+                <a:latin typeface="JetBrains Mono"/>
+              </a:rPr>
+              <a:t>    ...</a:t>
+            </a:r>
+            <a:br>
+              <a:rPr lang="en-US" dirty="0">
+                <a:solidFill>
+                  <a:srgbClr val="080808"/>
+                </a:solidFill>
+                <a:effectLst/>
+                <a:latin typeface="JetBrains Mono"/>
+              </a:rPr>
+            </a:br>
+            <a:r>
+              <a:rPr lang="en-US" dirty="0">
+                <a:solidFill>
+                  <a:srgbClr val="080808"/>
+                </a:solidFill>
+                <a:effectLst/>
+                <a:latin typeface="JetBrains Mono"/>
+              </a:rPr>
+              <a:t>    </a:t>
+            </a:r>
+            <a:r>
+              <a:rPr lang="en-US" dirty="0" err="1">
+                <a:solidFill>
+                  <a:srgbClr val="DD6718"/>
+                </a:solidFill>
+                <a:effectLst/>
+                <a:latin typeface="JetBrains Mono"/>
+              </a:rPr>
+              <a:t>writeln</a:t>
+            </a:r>
+            <a:r>
+              <a:rPr lang="en-US" dirty="0">
+                <a:solidFill>
+                  <a:srgbClr val="DD6718"/>
+                </a:solidFill>
+                <a:effectLst/>
+                <a:latin typeface="JetBrains Mono"/>
+              </a:rPr>
+              <a:t>!</a:t>
+            </a:r>
+            <a:r>
+              <a:rPr lang="en-US" dirty="0">
+                <a:solidFill>
+                  <a:srgbClr val="080808"/>
+                </a:solidFill>
+                <a:effectLst/>
+                <a:latin typeface="JetBrains Mono"/>
+              </a:rPr>
+              <a:t>(</a:t>
+            </a:r>
+            <a:r>
+              <a:rPr lang="en-US" dirty="0" err="1">
+                <a:solidFill>
+                  <a:srgbClr val="080808"/>
+                </a:solidFill>
+                <a:effectLst/>
+                <a:latin typeface="JetBrains Mono"/>
+              </a:rPr>
+              <a:t>stdout</a:t>
+            </a:r>
+            <a:r>
+              <a:rPr lang="en-US" dirty="0">
+                <a:solidFill>
+                  <a:srgbClr val="080808"/>
+                </a:solidFill>
+                <a:effectLst/>
+                <a:latin typeface="JetBrains Mono"/>
+              </a:rPr>
+              <a:t>, </a:t>
+            </a:r>
+            <a:r>
+              <a:rPr lang="en-US" dirty="0">
+                <a:solidFill>
+                  <a:srgbClr val="067D17"/>
+                </a:solidFill>
+                <a:effectLst/>
+                <a:latin typeface="JetBrains Mono"/>
+              </a:rPr>
+              <a:t>"Hello"</a:t>
+            </a:r>
+            <a:r>
+              <a:rPr lang="en-US" dirty="0">
+                <a:solidFill>
+                  <a:srgbClr val="080808"/>
+                </a:solidFill>
+                <a:effectLst/>
+                <a:latin typeface="JetBrains Mono"/>
+              </a:rPr>
+              <a:t>);</a:t>
+            </a:r>
+            <a:br>
+              <a:rPr lang="en-US" dirty="0">
+                <a:solidFill>
+                  <a:srgbClr val="080808"/>
+                </a:solidFill>
+                <a:effectLst/>
+                <a:latin typeface="JetBrains Mono"/>
+              </a:rPr>
+            </a:br>
+            <a:r>
+              <a:rPr lang="en-US" dirty="0">
+                <a:solidFill>
+                  <a:srgbClr val="080808"/>
+                </a:solidFill>
+                <a:effectLst/>
+                <a:latin typeface="JetBrains Mono"/>
+              </a:rPr>
+              <a:t>    ...</a:t>
+            </a:r>
+            <a:br>
+              <a:rPr lang="en-US" dirty="0">
+                <a:solidFill>
+                  <a:srgbClr val="080808"/>
+                </a:solidFill>
+                <a:effectLst/>
+                <a:latin typeface="JetBrains Mono"/>
+              </a:rPr>
+            </a:br>
+            <a:r>
+              <a:rPr lang="en-US" dirty="0">
+                <a:solidFill>
+                  <a:srgbClr val="080808"/>
+                </a:solidFill>
+                <a:effectLst/>
+                <a:latin typeface="JetBrains Mono"/>
+              </a:rPr>
+              <a:t>}</a:t>
+            </a:r>
+          </a:p>
+          <a:p>
+            <a:pPr marL="0" indent="0">
+              <a:buNone/>
+            </a:pPr>
+            <a:endParaRPr lang="en-US" dirty="0"/>
+          </a:p>
+        </p:txBody>
+      </p:sp>
+      <p:sp>
+        <p:nvSpPr>
+          <p:cNvPr id="4" name="Content Placeholder 3">
+            <a:extLst>
+              <a:ext uri="{FF2B5EF4-FFF2-40B4-BE49-F238E27FC236}">
+                <a16:creationId xmlns:a16="http://schemas.microsoft.com/office/drawing/2014/main" id="{D90B06E6-CC7F-F9C4-75E6-7DA531BE6908}"/>
+              </a:ext>
+            </a:extLst>
+          </p:cNvPr>
+          <p:cNvSpPr>
+            <a:spLocks noGrp="1"/>
+          </p:cNvSpPr>
+          <p:nvPr>
+            <p:ph sz="half" idx="2"/>
+          </p:nvPr>
+        </p:nvSpPr>
+        <p:spPr>
+          <a:xfrm>
+            <a:off x="5217995" y="1825625"/>
+            <a:ext cx="7014948" cy="4351338"/>
+          </a:xfrm>
+        </p:spPr>
+        <p:txBody>
+          <a:bodyPr/>
+          <a:lstStyle/>
+          <a:p>
+            <a:pPr>
+              <a:buFontTx/>
+              <a:buChar char="-"/>
+            </a:pPr>
+            <a:r>
+              <a:rPr lang="en-US" b="1" i="1" dirty="0"/>
+              <a:t>main.rs</a:t>
+            </a:r>
+          </a:p>
+          <a:p>
+            <a:pPr marL="0" indent="0">
+              <a:buNone/>
+            </a:pPr>
+            <a:r>
+              <a:rPr lang="en-US" dirty="0">
+                <a:solidFill>
+                  <a:srgbClr val="080808"/>
+                </a:solidFill>
+                <a:effectLst/>
+                <a:latin typeface="JetBrains Mono"/>
+              </a:rPr>
+              <a:t>run(&amp;</a:t>
+            </a:r>
+            <a:r>
+              <a:rPr lang="en-US" dirty="0">
+                <a:solidFill>
+                  <a:srgbClr val="0033B3"/>
+                </a:solidFill>
+                <a:effectLst/>
+                <a:latin typeface="JetBrains Mono"/>
+              </a:rPr>
+              <a:t>mut </a:t>
+            </a:r>
+            <a:r>
+              <a:rPr lang="en-US" dirty="0">
+                <a:solidFill>
+                  <a:srgbClr val="000000"/>
+                </a:solidFill>
+                <a:effectLst/>
+                <a:latin typeface="JetBrains Mono"/>
+              </a:rPr>
+              <a:t>io</a:t>
+            </a:r>
+            <a:r>
+              <a:rPr lang="en-US" dirty="0">
+                <a:solidFill>
+                  <a:srgbClr val="080808"/>
+                </a:solidFill>
+                <a:effectLst/>
+                <a:latin typeface="JetBrains Mono"/>
+              </a:rPr>
+              <a:t>::</a:t>
+            </a:r>
+            <a:r>
+              <a:rPr lang="en-US" dirty="0" err="1">
+                <a:solidFill>
+                  <a:srgbClr val="080808"/>
+                </a:solidFill>
+                <a:effectLst/>
+                <a:latin typeface="JetBrains Mono"/>
+              </a:rPr>
+              <a:t>stdout</a:t>
+            </a:r>
+            <a:r>
+              <a:rPr lang="en-US" dirty="0">
+                <a:solidFill>
+                  <a:srgbClr val="080808"/>
+                </a:solidFill>
+                <a:effectLst/>
+                <a:latin typeface="JetBrains Mono"/>
+              </a:rPr>
+              <a:t>())</a:t>
+            </a:r>
+          </a:p>
+          <a:p>
+            <a:pPr>
+              <a:buFontTx/>
+              <a:buChar char="-"/>
+            </a:pPr>
+            <a:r>
+              <a:rPr lang="en-US" b="1" i="1" dirty="0"/>
+              <a:t>test.rs</a:t>
+            </a:r>
+          </a:p>
+          <a:p>
+            <a:pPr marL="0" indent="0">
+              <a:buNone/>
+            </a:pPr>
+            <a:r>
+              <a:rPr lang="en-US" dirty="0">
+                <a:solidFill>
+                  <a:srgbClr val="0033B3"/>
+                </a:solidFill>
+                <a:effectLst/>
+                <a:latin typeface="JetBrains Mono"/>
+              </a:rPr>
+              <a:t>let mut </a:t>
+            </a:r>
+            <a:r>
+              <a:rPr lang="en-US" dirty="0">
+                <a:solidFill>
+                  <a:srgbClr val="000000"/>
+                </a:solidFill>
+                <a:effectLst/>
+                <a:latin typeface="JetBrains Mono"/>
+              </a:rPr>
+              <a:t>buffer</a:t>
+            </a:r>
+            <a:r>
+              <a:rPr lang="en-US" dirty="0">
+                <a:solidFill>
+                  <a:srgbClr val="080808"/>
+                </a:solidFill>
+                <a:effectLst/>
+                <a:latin typeface="JetBrains Mono"/>
+              </a:rPr>
+              <a:t>: </a:t>
+            </a:r>
+            <a:r>
+              <a:rPr lang="en-US" dirty="0" err="1">
+                <a:solidFill>
+                  <a:srgbClr val="000000"/>
+                </a:solidFill>
+                <a:effectLst/>
+                <a:latin typeface="JetBrains Mono"/>
+              </a:rPr>
+              <a:t>Vec</a:t>
+            </a:r>
+            <a:r>
+              <a:rPr lang="en-US" dirty="0">
+                <a:solidFill>
+                  <a:srgbClr val="080808"/>
+                </a:solidFill>
+                <a:effectLst/>
+                <a:latin typeface="JetBrains Mono"/>
+              </a:rPr>
+              <a:t>&lt;</a:t>
+            </a:r>
+            <a:r>
+              <a:rPr lang="en-US" dirty="0">
+                <a:solidFill>
+                  <a:srgbClr val="0033B3"/>
+                </a:solidFill>
+                <a:effectLst/>
+                <a:latin typeface="JetBrains Mono"/>
+              </a:rPr>
+              <a:t>u8</a:t>
+            </a:r>
+            <a:r>
+              <a:rPr lang="en-US" dirty="0">
+                <a:solidFill>
+                  <a:srgbClr val="080808"/>
+                </a:solidFill>
+                <a:effectLst/>
+                <a:latin typeface="JetBrains Mono"/>
+              </a:rPr>
+              <a:t>&gt; = </a:t>
+            </a:r>
+            <a:r>
+              <a:rPr lang="en-US" dirty="0" err="1">
+                <a:solidFill>
+                  <a:srgbClr val="000000"/>
+                </a:solidFill>
+                <a:effectLst/>
+                <a:latin typeface="JetBrains Mono"/>
+              </a:rPr>
+              <a:t>Vec</a:t>
+            </a:r>
+            <a:r>
+              <a:rPr lang="en-US" dirty="0">
+                <a:solidFill>
+                  <a:srgbClr val="080808"/>
+                </a:solidFill>
+                <a:effectLst/>
+                <a:latin typeface="JetBrains Mono"/>
+              </a:rPr>
+              <a:t>::</a:t>
+            </a:r>
+            <a:r>
+              <a:rPr lang="en-US" i="1" dirty="0">
+                <a:solidFill>
+                  <a:srgbClr val="00627A"/>
+                </a:solidFill>
+                <a:effectLst/>
+                <a:latin typeface="JetBrains Mono"/>
+              </a:rPr>
+              <a:t>new</a:t>
+            </a:r>
+            <a:r>
+              <a:rPr lang="en-US" dirty="0">
+                <a:solidFill>
+                  <a:srgbClr val="080808"/>
+                </a:solidFill>
+                <a:effectLst/>
+                <a:latin typeface="JetBrains Mono"/>
+              </a:rPr>
+              <a:t>();</a:t>
+            </a:r>
+            <a:br>
+              <a:rPr lang="en-US" dirty="0">
+                <a:solidFill>
+                  <a:srgbClr val="080808"/>
+                </a:solidFill>
+                <a:effectLst/>
+                <a:latin typeface="JetBrains Mono"/>
+              </a:rPr>
+            </a:br>
+            <a:r>
+              <a:rPr lang="en-US" dirty="0">
+                <a:solidFill>
+                  <a:srgbClr val="080808"/>
+                </a:solidFill>
+                <a:effectLst/>
+                <a:latin typeface="JetBrains Mono"/>
+              </a:rPr>
+              <a:t>run(&amp;</a:t>
+            </a:r>
+            <a:r>
+              <a:rPr lang="en-US" dirty="0">
+                <a:solidFill>
+                  <a:srgbClr val="0033B3"/>
+                </a:solidFill>
+                <a:effectLst/>
+                <a:latin typeface="JetBrains Mono"/>
+              </a:rPr>
+              <a:t>mut </a:t>
+            </a:r>
+            <a:r>
+              <a:rPr lang="en-US" dirty="0">
+                <a:solidFill>
+                  <a:srgbClr val="000000"/>
+                </a:solidFill>
+                <a:effectLst/>
+                <a:latin typeface="JetBrains Mono"/>
+              </a:rPr>
+              <a:t>buffer</a:t>
+            </a:r>
+            <a:r>
+              <a:rPr lang="en-US" dirty="0">
+                <a:solidFill>
+                  <a:srgbClr val="080808"/>
+                </a:solidFill>
+                <a:effectLst/>
+                <a:latin typeface="JetBrains Mono"/>
+              </a:rPr>
+              <a:t>);</a:t>
+            </a:r>
+            <a:br>
+              <a:rPr lang="en-US" dirty="0">
+                <a:solidFill>
+                  <a:srgbClr val="080808"/>
+                </a:solidFill>
+                <a:effectLst/>
+                <a:latin typeface="JetBrains Mono"/>
+              </a:rPr>
+            </a:br>
+            <a:r>
+              <a:rPr lang="en-US" dirty="0">
+                <a:solidFill>
+                  <a:srgbClr val="0033B3"/>
+                </a:solidFill>
+                <a:effectLst/>
+                <a:latin typeface="JetBrains Mono"/>
+              </a:rPr>
+              <a:t>let </a:t>
+            </a:r>
+            <a:r>
+              <a:rPr lang="en-US" dirty="0">
+                <a:solidFill>
+                  <a:srgbClr val="000000"/>
+                </a:solidFill>
+                <a:effectLst/>
+                <a:latin typeface="JetBrains Mono"/>
+              </a:rPr>
+              <a:t>actual </a:t>
+            </a:r>
+            <a:r>
+              <a:rPr lang="en-US" dirty="0">
+                <a:solidFill>
+                  <a:srgbClr val="080808"/>
+                </a:solidFill>
+                <a:effectLst/>
+                <a:latin typeface="JetBrains Mono"/>
+              </a:rPr>
+              <a:t>= </a:t>
+            </a:r>
+            <a:r>
+              <a:rPr lang="en-US" dirty="0">
+                <a:solidFill>
+                  <a:srgbClr val="000000"/>
+                </a:solidFill>
+                <a:effectLst/>
+                <a:latin typeface="JetBrains Mono"/>
+              </a:rPr>
+              <a:t>String</a:t>
+            </a:r>
+            <a:r>
+              <a:rPr lang="en-US" dirty="0">
+                <a:solidFill>
+                  <a:srgbClr val="080808"/>
+                </a:solidFill>
+                <a:effectLst/>
+                <a:latin typeface="JetBrains Mono"/>
+              </a:rPr>
+              <a:t>::</a:t>
+            </a:r>
+            <a:r>
+              <a:rPr lang="en-US" i="1" dirty="0">
+                <a:solidFill>
+                  <a:srgbClr val="00627A"/>
+                </a:solidFill>
+                <a:effectLst/>
+                <a:latin typeface="JetBrains Mono"/>
+              </a:rPr>
+              <a:t>from_utf8</a:t>
+            </a:r>
+            <a:r>
+              <a:rPr lang="en-US" dirty="0">
+                <a:solidFill>
+                  <a:srgbClr val="080808"/>
+                </a:solidFill>
+                <a:effectLst/>
+                <a:latin typeface="JetBrains Mono"/>
+              </a:rPr>
+              <a:t>(</a:t>
+            </a:r>
+            <a:r>
+              <a:rPr lang="en-US" dirty="0">
+                <a:solidFill>
+                  <a:srgbClr val="000000"/>
+                </a:solidFill>
+                <a:effectLst/>
+                <a:latin typeface="JetBrains Mono"/>
+              </a:rPr>
+              <a:t>buffer</a:t>
+            </a:r>
+            <a:r>
+              <a:rPr lang="en-US" dirty="0">
+                <a:solidFill>
+                  <a:srgbClr val="080808"/>
+                </a:solidFill>
+                <a:effectLst/>
+                <a:latin typeface="JetBrains Mono"/>
+              </a:rPr>
+              <a:t>).unwrap();</a:t>
+            </a:r>
+          </a:p>
+          <a:p>
+            <a:pPr marL="0" indent="0">
+              <a:buNone/>
+            </a:pPr>
+            <a:endParaRPr lang="ru-RU" dirty="0"/>
+          </a:p>
+        </p:txBody>
+      </p:sp>
+    </p:spTree>
+    <p:extLst>
+      <p:ext uri="{BB962C8B-B14F-4D97-AF65-F5344CB8AC3E}">
+        <p14:creationId xmlns:p14="http://schemas.microsoft.com/office/powerpoint/2010/main" val="3531670886"/>
+      </p:ext>
+    </p:extLst>
+  </p:cSld>
+  <p:clrMapOvr>
+    <a:masterClrMapping/>
+  </p:clrMapOvr>
+  <p:timing>
+    <p:tnLst>
+      <p:par>
+        <p:cTn id="1" dur="indefinite" restart="never" nodeType="tmRoot">
+          <p:childTnLst>
+            <p:seq concurrent="1" nextAc="seek">
+              <p:cTn id="2" dur="indefinite" nodeType="mainSeq">
+                <p:childTnLst>
+                  <p:par>
+                    <p:cTn id="3" fill="hold">
+                      <p:stCondLst>
+                        <p:cond delay="indefinite"/>
+                      </p:stCondLst>
+                      <p:childTnLst>
+                        <p:par>
+                          <p:cTn id="4" fill="hold">
+                            <p:stCondLst>
+                              <p:cond delay="0"/>
+                            </p:stCondLst>
+                            <p:childTnLst>
+                              <p:par>
+                                <p:cTn id="5" presetID="1" presetClass="entr" presetSubtype="0" fill="hold" grpId="0" nodeType="clickEffect">
+                                  <p:stCondLst>
+                                    <p:cond delay="0"/>
+                                  </p:stCondLst>
+                                  <p:childTnLst>
+                                    <p:set>
+                                      <p:cBhvr>
+                                        <p:cTn id="6" dur="1" fill="hold">
+                                          <p:stCondLst>
+                                            <p:cond delay="0"/>
+                                          </p:stCondLst>
+                                        </p:cTn>
+                                        <p:tgtEl>
+                                          <p:spTgt spid="3">
+                                            <p:txEl>
+                                              <p:pRg st="1" end="1"/>
+                                            </p:txEl>
+                                          </p:spTgt>
+                                        </p:tgtEl>
+                                        <p:attrNameLst>
+                                          <p:attrName>style.visibility</p:attrName>
+                                        </p:attrNameLst>
+                                      </p:cBhvr>
+                                      <p:to>
+                                        <p:strVal val="visible"/>
+                                      </p:to>
+                                    </p:set>
+                                  </p:childTnLst>
+                                </p:cTn>
+                              </p:par>
+                            </p:childTnLst>
+                          </p:cTn>
+                        </p:par>
+                      </p:childTnLst>
+                    </p:cTn>
+                  </p:par>
+                  <p:par>
+                    <p:cTn id="7" fill="hold">
+                      <p:stCondLst>
+                        <p:cond delay="indefinite"/>
+                      </p:stCondLst>
+                      <p:childTnLst>
+                        <p:par>
+                          <p:cTn id="8" fill="hold">
+                            <p:stCondLst>
+                              <p:cond delay="0"/>
+                            </p:stCondLst>
+                            <p:childTnLst>
+                              <p:par>
+                                <p:cTn id="9" presetID="1" presetClass="entr" presetSubtype="0" fill="hold" grpId="0" nodeType="clickEffect">
+                                  <p:stCondLst>
+                                    <p:cond delay="0"/>
+                                  </p:stCondLst>
+                                  <p:childTnLst>
+                                    <p:set>
+                                      <p:cBhvr>
+                                        <p:cTn id="10" dur="1" fill="hold">
+                                          <p:stCondLst>
+                                            <p:cond delay="0"/>
+                                          </p:stCondLst>
+                                        </p:cTn>
+                                        <p:tgtEl>
+                                          <p:spTgt spid="4">
+                                            <p:txEl>
+                                              <p:pRg st="0" end="0"/>
+                                            </p:txEl>
+                                          </p:spTgt>
+                                        </p:tgtEl>
+                                        <p:attrNameLst>
+                                          <p:attrName>style.visibility</p:attrName>
+                                        </p:attrNameLst>
+                                      </p:cBhvr>
+                                      <p:to>
+                                        <p:strVal val="visible"/>
+                                      </p:to>
+                                    </p:set>
+                                  </p:childTnLst>
+                                </p:cTn>
+                              </p:par>
+                            </p:childTnLst>
+                          </p:cTn>
+                        </p:par>
+                      </p:childTnLst>
+                    </p:cTn>
+                  </p:par>
+                  <p:par>
+                    <p:cTn id="11" fill="hold">
+                      <p:stCondLst>
+                        <p:cond delay="indefinite"/>
+                      </p:stCondLst>
+                      <p:childTnLst>
+                        <p:par>
+                          <p:cTn id="12" fill="hold">
+                            <p:stCondLst>
+                              <p:cond delay="0"/>
+                            </p:stCondLst>
+                            <p:childTnLst>
+                              <p:par>
+                                <p:cTn id="13" presetID="1" presetClass="entr" presetSubtype="0" fill="hold" grpId="0" nodeType="clickEffect">
+                                  <p:stCondLst>
+                                    <p:cond delay="0"/>
+                                  </p:stCondLst>
+                                  <p:childTnLst>
+                                    <p:set>
+                                      <p:cBhvr>
+                                        <p:cTn id="14" dur="1" fill="hold">
+                                          <p:stCondLst>
+                                            <p:cond delay="0"/>
+                                          </p:stCondLst>
+                                        </p:cTn>
+                                        <p:tgtEl>
+                                          <p:spTgt spid="4">
+                                            <p:txEl>
+                                              <p:pRg st="1" end="1"/>
+                                            </p:txEl>
+                                          </p:spTgt>
+                                        </p:tgtEl>
+                                        <p:attrNameLst>
+                                          <p:attrName>style.visibility</p:attrName>
+                                        </p:attrNameLst>
+                                      </p:cBhvr>
+                                      <p:to>
+                                        <p:strVal val="visible"/>
+                                      </p:to>
+                                    </p:set>
+                                  </p:childTnLst>
+                                </p:cTn>
+                              </p:par>
+                            </p:childTnLst>
+                          </p:cTn>
+                        </p:par>
+                      </p:childTnLst>
+                    </p:cTn>
+                  </p:par>
+                  <p:par>
+                    <p:cTn id="15" fill="hold">
+                      <p:stCondLst>
+                        <p:cond delay="indefinite"/>
+                      </p:stCondLst>
+                      <p:childTnLst>
+                        <p:par>
+                          <p:cTn id="16" fill="hold">
+                            <p:stCondLst>
+                              <p:cond delay="0"/>
+                            </p:stCondLst>
+                            <p:childTnLst>
+                              <p:par>
+                                <p:cTn id="17" presetID="1" presetClass="entr" presetSubtype="0" fill="hold" grpId="0" nodeType="clickEffect">
+                                  <p:stCondLst>
+                                    <p:cond delay="0"/>
+                                  </p:stCondLst>
+                                  <p:childTnLst>
+                                    <p:set>
+                                      <p:cBhvr>
+                                        <p:cTn id="18" dur="1" fill="hold">
+                                          <p:stCondLst>
+                                            <p:cond delay="0"/>
+                                          </p:stCondLst>
+                                        </p:cTn>
+                                        <p:tgtEl>
+                                          <p:spTgt spid="4">
+                                            <p:txEl>
+                                              <p:pRg st="2" end="2"/>
+                                            </p:txEl>
+                                          </p:spTgt>
+                                        </p:tgtEl>
+                                        <p:attrNameLst>
+                                          <p:attrName>style.visibility</p:attrName>
+                                        </p:attrNameLst>
+                                      </p:cBhvr>
+                                      <p:to>
+                                        <p:strVal val="visible"/>
+                                      </p:to>
+                                    </p:set>
+                                  </p:childTnLst>
+                                </p:cTn>
+                              </p:par>
+                            </p:childTnLst>
+                          </p:cTn>
+                        </p:par>
+                      </p:childTnLst>
+                    </p:cTn>
+                  </p:par>
+                  <p:par>
+                    <p:cTn id="19" fill="hold">
+                      <p:stCondLst>
+                        <p:cond delay="indefinite"/>
+                      </p:stCondLst>
+                      <p:childTnLst>
+                        <p:par>
+                          <p:cTn id="20" fill="hold">
+                            <p:stCondLst>
+                              <p:cond delay="0"/>
+                            </p:stCondLst>
+                            <p:childTnLst>
+                              <p:par>
+                                <p:cTn id="21" presetID="1" presetClass="entr" presetSubtype="0" fill="hold" grpId="0" nodeType="clickEffect">
+                                  <p:stCondLst>
+                                    <p:cond delay="0"/>
+                                  </p:stCondLst>
+                                  <p:childTnLst>
+                                    <p:set>
+                                      <p:cBhvr>
+                                        <p:cTn id="22" dur="1" fill="hold">
+                                          <p:stCondLst>
+                                            <p:cond delay="0"/>
+                                          </p:stCondLst>
+                                        </p:cTn>
+                                        <p:tgtEl>
+                                          <p:spTgt spid="4">
+                                            <p:txEl>
+                                              <p:pRg st="3" end="3"/>
+                                            </p:txEl>
+                                          </p:spTgt>
+                                        </p:tgtEl>
+                                        <p:attrNameLst>
+                                          <p:attrName>style.visibility</p:attrName>
+                                        </p:attrNameLst>
+                                      </p:cBhvr>
+                                      <p:to>
+                                        <p:strVal val="visible"/>
+                                      </p:to>
+                                    </p:set>
+                                  </p:childTnLst>
+                                </p:cTn>
+                              </p:par>
+                            </p:childTnLst>
+                          </p:cTn>
+                        </p:par>
+                      </p:childTnLst>
+                    </p:cTn>
+                  </p:par>
+                </p:childTnLst>
+              </p:cTn>
+              <p:prevCondLst>
+                <p:cond evt="onPrev" delay="0">
+                  <p:tgtEl>
+                    <p:sldTgt/>
+                  </p:tgtEl>
+                </p:cond>
+              </p:prevCondLst>
+              <p:nextCondLst>
+                <p:cond evt="onNext" delay="0">
+                  <p:tgtEl>
+                    <p:sldTgt/>
+                  </p:tgtEl>
+                </p:cond>
+              </p:nextCondLst>
+            </p:seq>
+          </p:childTnLst>
+        </p:cTn>
+      </p:par>
+    </p:tnLst>
+    <p:bldLst>
+      <p:bldP spid="3" grpId="0" uiExpand="1" build="p"/>
+      <p:bldP spid="4" grpId="0" build="p"/>
+    </p:bldLst>
+  </p:timing>
+</p:sld>
+</file>
+
+<file path=ppt/slides/slide11.xml><?xml version="1.0" encoding="utf-8"?>
+<p:sld xmlns:a="http://schemas.openxmlformats.org/drawingml/2006/main" xmlns:r="http://schemas.openxmlformats.org/officeDocument/2006/relationships" xmlns:p="http://schemas.openxmlformats.org/presentationml/2006/main">
+  <p:cSld>
+    <p:spTree>
+      <p:nvGrpSpPr>
+        <p:cNvPr id="1" name=""/>
+        <p:cNvGrpSpPr/>
+        <p:nvPr/>
+      </p:nvGrpSpPr>
+      <p:grpSpPr>
+        <a:xfrm>
+          <a:off x="0" y="0"/>
+          <a:ext cx="0" cy="0"/>
+          <a:chOff x="0" y="0"/>
+          <a:chExt cx="0" cy="0"/>
+        </a:xfrm>
+      </p:grpSpPr>
+      <p:sp>
+        <p:nvSpPr>
+          <p:cNvPr id="2" name="Title 1">
+            <a:extLst>
+              <a:ext uri="{FF2B5EF4-FFF2-40B4-BE49-F238E27FC236}">
                 <a16:creationId xmlns:a16="http://schemas.microsoft.com/office/drawing/2014/main" id="{CAB4FA3F-7083-0193-9F46-E1D219F40010}"/>
               </a:ext>
             </a:extLst>
@@ -6736,7 +7821,7 @@
 </p:sld>
 </file>
 
-<file path=ppt/slides/slide11.xml><?xml version="1.0" encoding="utf-8"?>
+<file path=ppt/slides/slide12.xml><?xml version="1.0" encoding="utf-8"?>
 <p:sld xmlns:a="http://schemas.openxmlformats.org/drawingml/2006/main" xmlns:r="http://schemas.openxmlformats.org/officeDocument/2006/relationships" xmlns:p="http://schemas.openxmlformats.org/presentationml/2006/main">
   <p:cSld>
     <p:spTree>
@@ -7205,7 +8290,7 @@
 </p:sld>
 </file>
 
-<file path=ppt/slides/slide12.xml><?xml version="1.0" encoding="utf-8"?>
+<file path=ppt/slides/slide13.xml><?xml version="1.0" encoding="utf-8"?>
 <p:sld xmlns:a="http://schemas.openxmlformats.org/drawingml/2006/main" xmlns:r="http://schemas.openxmlformats.org/officeDocument/2006/relationships" xmlns:p="http://schemas.openxmlformats.org/presentationml/2006/main">
   <p:cSld>
     <p:spTree>
@@ -7680,7 +8765,7 @@
 </p:sld>
 </file>
 
-<file path=ppt/slides/slide13.xml><?xml version="1.0" encoding="utf-8"?>
+<file path=ppt/slides/slide14.xml><?xml version="1.0" encoding="utf-8"?>
 <p:sld xmlns:a="http://schemas.openxmlformats.org/drawingml/2006/main" xmlns:r="http://schemas.openxmlformats.org/officeDocument/2006/relationships" xmlns:p="http://schemas.openxmlformats.org/presentationml/2006/main">
   <p:cSld>
     <p:spTree>
@@ -8704,7 +9789,7 @@
 </p:sld>
 </file>
 
-<file path=ppt/slides/slide14.xml><?xml version="1.0" encoding="utf-8"?>
+<file path=ppt/slides/slide15.xml><?xml version="1.0" encoding="utf-8"?>
 <p:sld xmlns:a="http://schemas.openxmlformats.org/drawingml/2006/main" xmlns:r="http://schemas.openxmlformats.org/officeDocument/2006/relationships" xmlns:p="http://schemas.openxmlformats.org/presentationml/2006/main">
   <p:cSld>
     <p:spTree>
@@ -9348,7 +10433,7 @@
 </p:sld>
 </file>
 
-<file path=ppt/slides/slide15.xml><?xml version="1.0" encoding="utf-8"?>
+<file path=ppt/slides/slide16.xml><?xml version="1.0" encoding="utf-8"?>
 <p:sld xmlns:a="http://schemas.openxmlformats.org/drawingml/2006/main" xmlns:r="http://schemas.openxmlformats.org/officeDocument/2006/relationships" xmlns:p="http://schemas.openxmlformats.org/presentationml/2006/main">
   <p:cSld>
     <p:spTree>
@@ -9753,7 +10838,7 @@
 </p:sld>
 </file>
 
-<file path=ppt/slides/slide16.xml><?xml version="1.0" encoding="utf-8"?>
+<file path=ppt/slides/slide17.xml><?xml version="1.0" encoding="utf-8"?>
 <p:sld xmlns:a="http://schemas.openxmlformats.org/drawingml/2006/main" xmlns:r="http://schemas.openxmlformats.org/officeDocument/2006/relationships" xmlns:p="http://schemas.openxmlformats.org/presentationml/2006/main">
   <p:cSld>
     <p:spTree>
@@ -9953,7 +11038,7 @@
 </p:sld>
 </file>
 
-<file path=ppt/slides/slide17.xml><?xml version="1.0" encoding="utf-8"?>
+<file path=ppt/slides/slide18.xml><?xml version="1.0" encoding="utf-8"?>
 <p:sld xmlns:a="http://schemas.openxmlformats.org/drawingml/2006/main" xmlns:r="http://schemas.openxmlformats.org/officeDocument/2006/relationships" xmlns:p="http://schemas.openxmlformats.org/presentationml/2006/main">
   <p:cSld>
     <p:spTree>
@@ -11281,7 +12366,7 @@
 </p:sld>
 </file>
 
-<file path=ppt/slides/slide18.xml><?xml version="1.0" encoding="utf-8"?>
+<file path=ppt/slides/slide19.xml><?xml version="1.0" encoding="utf-8"?>
 <p:sld xmlns:a="http://schemas.openxmlformats.org/drawingml/2006/main" xmlns:r="http://schemas.openxmlformats.org/officeDocument/2006/relationships" xmlns:p="http://schemas.openxmlformats.org/presentationml/2006/main">
   <p:cSld>
     <p:spTree>
@@ -12905,7 +13990,299 @@
 </p:sld>
 </file>
 
-<file path=ppt/slides/slide19.xml><?xml version="1.0" encoding="utf-8"?>
+<file path=ppt/slides/slide2.xml><?xml version="1.0" encoding="utf-8"?>
+<p:sld xmlns:a="http://schemas.openxmlformats.org/drawingml/2006/main" xmlns:r="http://schemas.openxmlformats.org/officeDocument/2006/relationships" xmlns:p="http://schemas.openxmlformats.org/presentationml/2006/main">
+  <p:cSld>
+    <p:spTree>
+      <p:nvGrpSpPr>
+        <p:cNvPr id="1" name=""/>
+        <p:cNvGrpSpPr/>
+        <p:nvPr/>
+      </p:nvGrpSpPr>
+      <p:grpSpPr>
+        <a:xfrm>
+          <a:off x="0" y="0"/>
+          <a:ext cx="0" cy="0"/>
+          <a:chOff x="0" y="0"/>
+          <a:chExt cx="0" cy="0"/>
+        </a:xfrm>
+      </p:grpSpPr>
+      <p:sp>
+        <p:nvSpPr>
+          <p:cNvPr id="2" name="Title 1">
+            <a:extLst>
+              <a:ext uri="{FF2B5EF4-FFF2-40B4-BE49-F238E27FC236}">
+                <a16:creationId xmlns:a16="http://schemas.microsoft.com/office/drawing/2014/main" id="{BAD0153F-7066-9730-2E4B-0A0B27B33900}"/>
+              </a:ext>
+            </a:extLst>
+          </p:cNvPr>
+          <p:cNvSpPr>
+            <a:spLocks noGrp="1"/>
+          </p:cNvSpPr>
+          <p:nvPr>
+            <p:ph type="title"/>
+          </p:nvPr>
+        </p:nvSpPr>
+        <p:spPr/>
+        <p:txBody>
+          <a:bodyPr/>
+          <a:lstStyle/>
+          <a:p>
+            <a:r>
+              <a:rPr lang="en-US" dirty="0"/>
+              <a:t>Homework</a:t>
+            </a:r>
+            <a:endParaRPr lang="ru-RU" dirty="0"/>
+          </a:p>
+        </p:txBody>
+      </p:sp>
+      <p:sp>
+        <p:nvSpPr>
+          <p:cNvPr id="3" name="Content Placeholder 2">
+            <a:extLst>
+              <a:ext uri="{FF2B5EF4-FFF2-40B4-BE49-F238E27FC236}">
+                <a16:creationId xmlns:a16="http://schemas.microsoft.com/office/drawing/2014/main" id="{FCC4EF57-FDF3-BF09-8AE2-40E2FA7BC75E}"/>
+              </a:ext>
+            </a:extLst>
+          </p:cNvPr>
+          <p:cNvSpPr>
+            <a:spLocks noGrp="1"/>
+          </p:cNvSpPr>
+          <p:nvPr>
+            <p:ph idx="1"/>
+          </p:nvPr>
+        </p:nvSpPr>
+        <p:spPr/>
+        <p:txBody>
+          <a:bodyPr/>
+          <a:lstStyle/>
+          <a:p>
+            <a:r>
+              <a:rPr lang="en-US" b="0" i="0" dirty="0">
+                <a:effectLst/>
+                <a:latin typeface="ui-monospace"/>
+              </a:rPr>
+              <a:t>for VS map</a:t>
+            </a:r>
+          </a:p>
+          <a:p>
+            <a:r>
+              <a:rPr lang="en-US" b="0" i="0" dirty="0">
+                <a:effectLst/>
+                <a:latin typeface="ui-monospace"/>
+              </a:rPr>
+              <a:t>let</a:t>
+            </a:r>
+            <a:r>
+              <a:rPr lang="en-US" b="0" i="0" dirty="0">
+                <a:solidFill>
+                  <a:srgbClr val="1F2328"/>
+                </a:solidFill>
+                <a:effectLst/>
+                <a:latin typeface="ui-monospace"/>
+              </a:rPr>
+              <a:t> </a:t>
+            </a:r>
+            <a:r>
+              <a:rPr lang="en-US" b="0" i="0" dirty="0">
+                <a:effectLst/>
+                <a:latin typeface="ui-monospace"/>
+              </a:rPr>
+              <a:t>mut</a:t>
+            </a:r>
+            <a:r>
+              <a:rPr lang="en-US" b="0" i="0" dirty="0">
+                <a:solidFill>
+                  <a:srgbClr val="1F2328"/>
+                </a:solidFill>
+                <a:effectLst/>
+                <a:latin typeface="ui-monospace"/>
+              </a:rPr>
+              <a:t> handlers = </a:t>
+            </a:r>
+            <a:r>
+              <a:rPr lang="en-US" b="0" i="0" dirty="0" err="1">
+                <a:effectLst/>
+                <a:latin typeface="ui-monospace"/>
+              </a:rPr>
+              <a:t>Vec</a:t>
+            </a:r>
+            <a:r>
+              <a:rPr lang="en-US" b="0" i="0" dirty="0">
+                <a:solidFill>
+                  <a:srgbClr val="1F2328"/>
+                </a:solidFill>
+                <a:effectLst/>
+                <a:latin typeface="ui-monospace"/>
+              </a:rPr>
+              <a:t>::</a:t>
+            </a:r>
+            <a:r>
+              <a:rPr lang="en-US" b="0" i="0" dirty="0" err="1">
+                <a:effectLst/>
+                <a:latin typeface="ui-monospace"/>
+              </a:rPr>
+              <a:t>with_capacity</a:t>
+            </a:r>
+            <a:r>
+              <a:rPr lang="en-US" b="0" i="0" dirty="0">
+                <a:solidFill>
+                  <a:srgbClr val="1F2328"/>
+                </a:solidFill>
+                <a:effectLst/>
+                <a:latin typeface="ui-monospace"/>
+              </a:rPr>
+              <a:t>(count);</a:t>
+            </a:r>
+            <a:endParaRPr lang="ru-RU" dirty="0"/>
+          </a:p>
+        </p:txBody>
+      </p:sp>
+    </p:spTree>
+    <p:extLst>
+      <p:ext uri="{BB962C8B-B14F-4D97-AF65-F5344CB8AC3E}">
+        <p14:creationId xmlns:p14="http://schemas.microsoft.com/office/powerpoint/2010/main" val="2152639678"/>
+      </p:ext>
+    </p:extLst>
+  </p:cSld>
+  <p:clrMapOvr>
+    <a:masterClrMapping/>
+  </p:clrMapOvr>
+  <p:timing>
+    <p:tnLst>
+      <p:par>
+        <p:cTn id="1" dur="indefinite" restart="never" nodeType="tmRoot">
+          <p:childTnLst>
+            <p:seq concurrent="1" nextAc="seek">
+              <p:cTn id="2" dur="indefinite" nodeType="mainSeq">
+                <p:childTnLst>
+                  <p:par>
+                    <p:cTn id="3" fill="hold">
+                      <p:stCondLst>
+                        <p:cond delay="indefinite"/>
+                      </p:stCondLst>
+                      <p:childTnLst>
+                        <p:par>
+                          <p:cTn id="4" fill="hold">
+                            <p:stCondLst>
+                              <p:cond delay="0"/>
+                            </p:stCondLst>
+                            <p:childTnLst>
+                              <p:par>
+                                <p:cTn id="5" presetID="1" presetClass="entr" presetSubtype="0" fill="hold" grpId="0" nodeType="clickEffect">
+                                  <p:stCondLst>
+                                    <p:cond delay="0"/>
+                                  </p:stCondLst>
+                                  <p:childTnLst>
+                                    <p:set>
+                                      <p:cBhvr>
+                                        <p:cTn id="6" dur="1" fill="hold">
+                                          <p:stCondLst>
+                                            <p:cond delay="0"/>
+                                          </p:stCondLst>
+                                        </p:cTn>
+                                        <p:tgtEl>
+                                          <p:spTgt spid="3">
+                                            <p:txEl>
+                                              <p:pRg st="0" end="0"/>
+                                            </p:txEl>
+                                          </p:spTgt>
+                                        </p:tgtEl>
+                                        <p:attrNameLst>
+                                          <p:attrName>style.visibility</p:attrName>
+                                        </p:attrNameLst>
+                                      </p:cBhvr>
+                                      <p:to>
+                                        <p:strVal val="visible"/>
+                                      </p:to>
+                                    </p:set>
+                                  </p:childTnLst>
+                                </p:cTn>
+                              </p:par>
+                            </p:childTnLst>
+                          </p:cTn>
+                        </p:par>
+                      </p:childTnLst>
+                    </p:cTn>
+                  </p:par>
+                  <p:par>
+                    <p:cTn id="7" fill="hold">
+                      <p:stCondLst>
+                        <p:cond delay="indefinite"/>
+                      </p:stCondLst>
+                      <p:childTnLst>
+                        <p:par>
+                          <p:cTn id="8" fill="hold">
+                            <p:stCondLst>
+                              <p:cond delay="0"/>
+                            </p:stCondLst>
+                            <p:childTnLst>
+                              <p:par>
+                                <p:cTn id="9" presetID="1" presetClass="entr" presetSubtype="0" fill="hold" grpId="0" nodeType="clickEffect">
+                                  <p:stCondLst>
+                                    <p:cond delay="0"/>
+                                  </p:stCondLst>
+                                  <p:childTnLst>
+                                    <p:set>
+                                      <p:cBhvr>
+                                        <p:cTn id="10" dur="1" fill="hold">
+                                          <p:stCondLst>
+                                            <p:cond delay="0"/>
+                                          </p:stCondLst>
+                                        </p:cTn>
+                                        <p:tgtEl>
+                                          <p:spTgt spid="3">
+                                            <p:txEl>
+                                              <p:pRg st="1" end="1"/>
+                                            </p:txEl>
+                                          </p:spTgt>
+                                        </p:tgtEl>
+                                        <p:attrNameLst>
+                                          <p:attrName>style.visibility</p:attrName>
+                                        </p:attrNameLst>
+                                      </p:cBhvr>
+                                      <p:to>
+                                        <p:strVal val="visible"/>
+                                      </p:to>
+                                    </p:set>
+                                  </p:childTnLst>
+                                </p:cTn>
+                              </p:par>
+                            </p:childTnLst>
+                          </p:cTn>
+                        </p:par>
+                      </p:childTnLst>
+                    </p:cTn>
+                  </p:par>
+                </p:childTnLst>
+              </p:cTn>
+              <p:prevCondLst>
+                <p:cond evt="onPrev" delay="0">
+                  <p:tgtEl>
+                    <p:sldTgt/>
+                  </p:tgtEl>
+                </p:cond>
+              </p:prevCondLst>
+              <p:nextCondLst>
+                <p:cond evt="onNext" delay="0">
+                  <p:tgtEl>
+                    <p:sldTgt/>
+                  </p:tgtEl>
+                </p:cond>
+              </p:nextCondLst>
+            </p:seq>
+          </p:childTnLst>
+        </p:cTn>
+      </p:par>
+    </p:tnLst>
+    <p:bldLst>
+      <p:bldP spid="3" grpId="0" build="p"/>
+    </p:bldLst>
+  </p:timing>
+</p:sld>
+</file>
+
+<file path=ppt/slides/slide20.xml><?xml version="1.0" encoding="utf-8"?>
 <p:sld xmlns:a="http://schemas.openxmlformats.org/drawingml/2006/main" xmlns:r="http://schemas.openxmlformats.org/officeDocument/2006/relationships" xmlns:p="http://schemas.openxmlformats.org/presentationml/2006/main">
   <p:cSld>
     <p:spTree>
@@ -13064,92 +14441,7 @@
 </p:sld>
 </file>
 
-<file path=ppt/slides/slide2.xml><?xml version="1.0" encoding="utf-8"?>
-<p:sld xmlns:a="http://schemas.openxmlformats.org/drawingml/2006/main" xmlns:r="http://schemas.openxmlformats.org/officeDocument/2006/relationships" xmlns:p="http://schemas.openxmlformats.org/presentationml/2006/main">
-  <p:cSld>
-    <p:spTree>
-      <p:nvGrpSpPr>
-        <p:cNvPr id="1" name=""/>
-        <p:cNvGrpSpPr/>
-        <p:nvPr/>
-      </p:nvGrpSpPr>
-      <p:grpSpPr>
-        <a:xfrm>
-          <a:off x="0" y="0"/>
-          <a:ext cx="0" cy="0"/>
-          <a:chOff x="0" y="0"/>
-          <a:chExt cx="0" cy="0"/>
-        </a:xfrm>
-      </p:grpSpPr>
-      <p:sp>
-        <p:nvSpPr>
-          <p:cNvPr id="2" name="Title 1">
-            <a:extLst>
-              <a:ext uri="{FF2B5EF4-FFF2-40B4-BE49-F238E27FC236}">
-                <a16:creationId xmlns:a16="http://schemas.microsoft.com/office/drawing/2014/main" id="{56DC2F27-21DA-ADDB-55AF-D98C4550E0D5}"/>
-              </a:ext>
-            </a:extLst>
-          </p:cNvPr>
-          <p:cNvSpPr>
-            <a:spLocks noGrp="1"/>
-          </p:cNvSpPr>
-          <p:nvPr>
-            <p:ph type="title"/>
-          </p:nvPr>
-        </p:nvSpPr>
-        <p:spPr/>
-        <p:txBody>
-          <a:bodyPr/>
-          <a:lstStyle/>
-          <a:p>
-            <a:r>
-              <a:rPr lang="en-US" dirty="0"/>
-              <a:t>Tests</a:t>
-            </a:r>
-            <a:endParaRPr lang="ru-RU" dirty="0"/>
-          </a:p>
-        </p:txBody>
-      </p:sp>
-      <p:graphicFrame>
-        <p:nvGraphicFramePr>
-          <p:cNvPr id="4" name="Content Placeholder 3">
-            <a:extLst>
-              <a:ext uri="{FF2B5EF4-FFF2-40B4-BE49-F238E27FC236}">
-                <a16:creationId xmlns:a16="http://schemas.microsoft.com/office/drawing/2014/main" id="{B0068468-0BD0-5634-FBCC-0FE1F0CD2527}"/>
-              </a:ext>
-            </a:extLst>
-          </p:cNvPr>
-          <p:cNvGraphicFramePr>
-            <a:graphicFrameLocks noGrp="1"/>
-          </p:cNvGraphicFramePr>
-          <p:nvPr>
-            <p:ph idx="1"/>
-          </p:nvPr>
-        </p:nvGraphicFramePr>
-        <p:xfrm>
-          <a:off x="838200" y="1825625"/>
-          <a:ext cx="10515600" cy="4351338"/>
-        </p:xfrm>
-        <a:graphic>
-          <a:graphicData uri="http://schemas.openxmlformats.org/drawingml/2006/diagram">
-            <dgm:relIds xmlns:dgm="http://schemas.openxmlformats.org/drawingml/2006/diagram" xmlns:r="http://schemas.openxmlformats.org/officeDocument/2006/relationships" r:dm="rId2" r:lo="rId3" r:qs="rId4" r:cs="rId5"/>
-          </a:graphicData>
-        </a:graphic>
-      </p:graphicFrame>
-    </p:spTree>
-    <p:extLst>
-      <p:ext uri="{BB962C8B-B14F-4D97-AF65-F5344CB8AC3E}">
-        <p14:creationId xmlns:p14="http://schemas.microsoft.com/office/powerpoint/2010/main" val="1790703155"/>
-      </p:ext>
-    </p:extLst>
-  </p:cSld>
-  <p:clrMapOvr>
-    <a:masterClrMapping/>
-  </p:clrMapOvr>
-</p:sld>
-</file>
-
-<file path=ppt/slides/slide20.xml><?xml version="1.0" encoding="utf-8"?>
+<file path=ppt/slides/slide21.xml><?xml version="1.0" encoding="utf-8"?>
 <p:sld xmlns:a="http://schemas.openxmlformats.org/drawingml/2006/main" xmlns:r="http://schemas.openxmlformats.org/officeDocument/2006/relationships" xmlns:p="http://schemas.openxmlformats.org/presentationml/2006/main">
   <p:cSld>
     <p:spTree>
@@ -13875,7 +15167,7 @@
 </p:sld>
 </file>
 
-<file path=ppt/slides/slide21.xml><?xml version="1.0" encoding="utf-8"?>
+<file path=ppt/slides/slide22.xml><?xml version="1.0" encoding="utf-8"?>
 <p:sld xmlns:a="http://schemas.openxmlformats.org/drawingml/2006/main" xmlns:r="http://schemas.openxmlformats.org/officeDocument/2006/relationships" xmlns:p="http://schemas.openxmlformats.org/presentationml/2006/main">
   <p:cSld>
     <p:spTree>
@@ -14426,7 +15718,7 @@
 </p:sld>
 </file>
 
-<file path=ppt/slides/slide22.xml><?xml version="1.0" encoding="utf-8"?>
+<file path=ppt/slides/slide23.xml><?xml version="1.0" encoding="utf-8"?>
 <p:sld xmlns:a="http://schemas.openxmlformats.org/drawingml/2006/main" xmlns:r="http://schemas.openxmlformats.org/officeDocument/2006/relationships" xmlns:p="http://schemas.openxmlformats.org/presentationml/2006/main">
   <p:cSld>
     <p:spTree>
@@ -14744,7 +16036,7 @@
 </p:sld>
 </file>
 
-<file path=ppt/slides/slide23.xml><?xml version="1.0" encoding="utf-8"?>
+<file path=ppt/slides/slide24.xml><?xml version="1.0" encoding="utf-8"?>
 <p:sld xmlns:a="http://schemas.openxmlformats.org/drawingml/2006/main" xmlns:r="http://schemas.openxmlformats.org/officeDocument/2006/relationships" xmlns:p="http://schemas.openxmlformats.org/presentationml/2006/main">
   <p:cSld>
     <p:spTree>
@@ -14933,7 +16225,7 @@
 </p:sld>
 </file>
 
-<file path=ppt/slides/slide24.xml><?xml version="1.0" encoding="utf-8"?>
+<file path=ppt/slides/slide25.xml><?xml version="1.0" encoding="utf-8"?>
 <p:sld xmlns:a="http://schemas.openxmlformats.org/drawingml/2006/main" xmlns:r="http://schemas.openxmlformats.org/officeDocument/2006/relationships" xmlns:p="http://schemas.openxmlformats.org/presentationml/2006/main">
   <p:cSld>
     <p:spTree>
@@ -15424,7 +16716,7 @@
 </p:sld>
 </file>
 
-<file path=ppt/slides/slide25.xml><?xml version="1.0" encoding="utf-8"?>
+<file path=ppt/slides/slide26.xml><?xml version="1.0" encoding="utf-8"?>
 <p:sld xmlns:a="http://schemas.openxmlformats.org/drawingml/2006/main" xmlns:r="http://schemas.openxmlformats.org/officeDocument/2006/relationships" xmlns:p="http://schemas.openxmlformats.org/presentationml/2006/main">
   <p:cSld>
     <p:spTree>
@@ -16006,7 +17298,7 @@
 </p:sld>
 </file>
 
-<file path=ppt/slides/slide26.xml><?xml version="1.0" encoding="utf-8"?>
+<file path=ppt/slides/slide27.xml><?xml version="1.0" encoding="utf-8"?>
 <p:sld xmlns:a="http://schemas.openxmlformats.org/drawingml/2006/main" xmlns:r="http://schemas.openxmlformats.org/officeDocument/2006/relationships" xmlns:p="http://schemas.openxmlformats.org/presentationml/2006/main">
   <p:cSld>
     <p:spTree>
@@ -16250,7 +17542,7 @@
 </p:sld>
 </file>
 
-<file path=ppt/slides/slide27.xml><?xml version="1.0" encoding="utf-8"?>
+<file path=ppt/slides/slide28.xml><?xml version="1.0" encoding="utf-8"?>
 <p:sld xmlns:a="http://schemas.openxmlformats.org/drawingml/2006/main" xmlns:r="http://schemas.openxmlformats.org/officeDocument/2006/relationships" xmlns:p="http://schemas.openxmlformats.org/presentationml/2006/main">
   <p:cSld>
     <p:spTree>
@@ -16357,7 +17649,7 @@
 </p:sld>
 </file>
 
-<file path=ppt/slides/slide28.xml><?xml version="1.0" encoding="utf-8"?>
+<file path=ppt/slides/slide29.xml><?xml version="1.0" encoding="utf-8"?>
 <p:sld xmlns:a="http://schemas.openxmlformats.org/drawingml/2006/main" xmlns:r="http://schemas.openxmlformats.org/officeDocument/2006/relationships" xmlns:p="http://schemas.openxmlformats.org/presentationml/2006/main">
   <p:cSld>
     <p:spTree>
@@ -17044,7 +18336,92 @@
 </p:sld>
 </file>
 
-<file path=ppt/slides/slide29.xml><?xml version="1.0" encoding="utf-8"?>
+<file path=ppt/slides/slide3.xml><?xml version="1.0" encoding="utf-8"?>
+<p:sld xmlns:a="http://schemas.openxmlformats.org/drawingml/2006/main" xmlns:r="http://schemas.openxmlformats.org/officeDocument/2006/relationships" xmlns:p="http://schemas.openxmlformats.org/presentationml/2006/main">
+  <p:cSld>
+    <p:spTree>
+      <p:nvGrpSpPr>
+        <p:cNvPr id="1" name=""/>
+        <p:cNvGrpSpPr/>
+        <p:nvPr/>
+      </p:nvGrpSpPr>
+      <p:grpSpPr>
+        <a:xfrm>
+          <a:off x="0" y="0"/>
+          <a:ext cx="0" cy="0"/>
+          <a:chOff x="0" y="0"/>
+          <a:chExt cx="0" cy="0"/>
+        </a:xfrm>
+      </p:grpSpPr>
+      <p:sp>
+        <p:nvSpPr>
+          <p:cNvPr id="2" name="Title 1">
+            <a:extLst>
+              <a:ext uri="{FF2B5EF4-FFF2-40B4-BE49-F238E27FC236}">
+                <a16:creationId xmlns:a16="http://schemas.microsoft.com/office/drawing/2014/main" id="{56DC2F27-21DA-ADDB-55AF-D98C4550E0D5}"/>
+              </a:ext>
+            </a:extLst>
+          </p:cNvPr>
+          <p:cNvSpPr>
+            <a:spLocks noGrp="1"/>
+          </p:cNvSpPr>
+          <p:nvPr>
+            <p:ph type="title"/>
+          </p:nvPr>
+        </p:nvSpPr>
+        <p:spPr/>
+        <p:txBody>
+          <a:bodyPr/>
+          <a:lstStyle/>
+          <a:p>
+            <a:r>
+              <a:rPr lang="en-US" dirty="0"/>
+              <a:t>Tests</a:t>
+            </a:r>
+            <a:endParaRPr lang="ru-RU" dirty="0"/>
+          </a:p>
+        </p:txBody>
+      </p:sp>
+      <p:graphicFrame>
+        <p:nvGraphicFramePr>
+          <p:cNvPr id="4" name="Content Placeholder 3">
+            <a:extLst>
+              <a:ext uri="{FF2B5EF4-FFF2-40B4-BE49-F238E27FC236}">
+                <a16:creationId xmlns:a16="http://schemas.microsoft.com/office/drawing/2014/main" id="{B0068468-0BD0-5634-FBCC-0FE1F0CD2527}"/>
+              </a:ext>
+            </a:extLst>
+          </p:cNvPr>
+          <p:cNvGraphicFramePr>
+            <a:graphicFrameLocks noGrp="1"/>
+          </p:cNvGraphicFramePr>
+          <p:nvPr>
+            <p:ph idx="1"/>
+          </p:nvPr>
+        </p:nvGraphicFramePr>
+        <p:xfrm>
+          <a:off x="838200" y="1825625"/>
+          <a:ext cx="10515600" cy="4351338"/>
+        </p:xfrm>
+        <a:graphic>
+          <a:graphicData uri="http://schemas.openxmlformats.org/drawingml/2006/diagram">
+            <dgm:relIds xmlns:dgm="http://schemas.openxmlformats.org/drawingml/2006/diagram" xmlns:r="http://schemas.openxmlformats.org/officeDocument/2006/relationships" r:dm="rId2" r:lo="rId3" r:qs="rId4" r:cs="rId5"/>
+          </a:graphicData>
+        </a:graphic>
+      </p:graphicFrame>
+    </p:spTree>
+    <p:extLst>
+      <p:ext uri="{BB962C8B-B14F-4D97-AF65-F5344CB8AC3E}">
+        <p14:creationId xmlns:p14="http://schemas.microsoft.com/office/powerpoint/2010/main" val="1790703155"/>
+      </p:ext>
+    </p:extLst>
+  </p:cSld>
+  <p:clrMapOvr>
+    <a:masterClrMapping/>
+  </p:clrMapOvr>
+</p:sld>
+</file>
+
+<file path=ppt/slides/slide30.xml><?xml version="1.0" encoding="utf-8"?>
 <p:sld xmlns:a="http://schemas.openxmlformats.org/drawingml/2006/main" xmlns:r="http://schemas.openxmlformats.org/officeDocument/2006/relationships" xmlns:p="http://schemas.openxmlformats.org/presentationml/2006/main">
   <p:cSld>
     <p:spTree>
@@ -17573,607 +18950,7 @@
 </p:sld>
 </file>
 
-<file path=ppt/slides/slide3.xml><?xml version="1.0" encoding="utf-8"?>
-<p:sld xmlns:a="http://schemas.openxmlformats.org/drawingml/2006/main" xmlns:r="http://schemas.openxmlformats.org/officeDocument/2006/relationships" xmlns:p="http://schemas.openxmlformats.org/presentationml/2006/main">
-  <p:cSld>
-    <p:spTree>
-      <p:nvGrpSpPr>
-        <p:cNvPr id="1" name=""/>
-        <p:cNvGrpSpPr/>
-        <p:nvPr/>
-      </p:nvGrpSpPr>
-      <p:grpSpPr>
-        <a:xfrm>
-          <a:off x="0" y="0"/>
-          <a:ext cx="0" cy="0"/>
-          <a:chOff x="0" y="0"/>
-          <a:chExt cx="0" cy="0"/>
-        </a:xfrm>
-      </p:grpSpPr>
-      <p:sp>
-        <p:nvSpPr>
-          <p:cNvPr id="2" name="Title 1">
-            <a:extLst>
-              <a:ext uri="{FF2B5EF4-FFF2-40B4-BE49-F238E27FC236}">
-                <a16:creationId xmlns:a16="http://schemas.microsoft.com/office/drawing/2014/main" id="{AD0F8ABF-ACD2-3EED-21DC-286DB9CC1715}"/>
-              </a:ext>
-            </a:extLst>
-          </p:cNvPr>
-          <p:cNvSpPr>
-            <a:spLocks noGrp="1"/>
-          </p:cNvSpPr>
-          <p:nvPr>
-            <p:ph type="title"/>
-          </p:nvPr>
-        </p:nvSpPr>
-        <p:spPr/>
-        <p:txBody>
-          <a:bodyPr/>
-          <a:lstStyle/>
-          <a:p>
-            <a:r>
-              <a:rPr lang="en-US" dirty="0"/>
-              <a:t>Why should we need to test only public API?</a:t>
-            </a:r>
-            <a:endParaRPr lang="ru-RU" dirty="0"/>
-          </a:p>
-        </p:txBody>
-      </p:sp>
-      <p:sp>
-        <p:nvSpPr>
-          <p:cNvPr id="3" name="Content Placeholder 2">
-            <a:extLst>
-              <a:ext uri="{FF2B5EF4-FFF2-40B4-BE49-F238E27FC236}">
-                <a16:creationId xmlns:a16="http://schemas.microsoft.com/office/drawing/2014/main" id="{4723AD8E-A2D4-1BEC-F353-F2088DBA65FA}"/>
-              </a:ext>
-            </a:extLst>
-          </p:cNvPr>
-          <p:cNvSpPr>
-            <a:spLocks noGrp="1"/>
-          </p:cNvSpPr>
-          <p:nvPr>
-            <p:ph sz="half" idx="1"/>
-          </p:nvPr>
-        </p:nvSpPr>
-        <p:spPr/>
-        <p:txBody>
-          <a:bodyPr/>
-          <a:lstStyle/>
-          <a:p>
-            <a:pPr marL="0" indent="0">
-              <a:buNone/>
-            </a:pPr>
-            <a:r>
-              <a:rPr lang="en-US" dirty="0">
-                <a:solidFill>
-                  <a:srgbClr val="0033B3"/>
-                </a:solidFill>
-                <a:effectLst/>
-                <a:latin typeface="JetBrains Mono"/>
-              </a:rPr>
-              <a:t>mod </a:t>
-            </a:r>
-            <a:r>
-              <a:rPr lang="en-US" dirty="0" err="1">
-                <a:solidFill>
-                  <a:srgbClr val="000000"/>
-                </a:solidFill>
-                <a:effectLst/>
-                <a:latin typeface="JetBrains Mono"/>
-              </a:rPr>
-              <a:t>my_module</a:t>
-            </a:r>
-            <a:r>
-              <a:rPr lang="en-US" dirty="0">
-                <a:solidFill>
-                  <a:srgbClr val="000000"/>
-                </a:solidFill>
-                <a:effectLst/>
-                <a:latin typeface="JetBrains Mono"/>
-              </a:rPr>
-              <a:t> </a:t>
-            </a:r>
-            <a:r>
-              <a:rPr lang="en-US" dirty="0">
-                <a:solidFill>
-                  <a:srgbClr val="080808"/>
-                </a:solidFill>
-                <a:effectLst/>
-                <a:latin typeface="JetBrains Mono"/>
-              </a:rPr>
-              <a:t>{</a:t>
-            </a:r>
-            <a:br>
-              <a:rPr lang="en-US" dirty="0">
-                <a:solidFill>
-                  <a:srgbClr val="080808"/>
-                </a:solidFill>
-                <a:effectLst/>
-                <a:latin typeface="JetBrains Mono"/>
-              </a:rPr>
-            </a:br>
-            <a:r>
-              <a:rPr lang="en-US" dirty="0">
-                <a:solidFill>
-                  <a:srgbClr val="080808"/>
-                </a:solidFill>
-                <a:effectLst/>
-                <a:latin typeface="JetBrains Mono"/>
-              </a:rPr>
-              <a:t>    </a:t>
-            </a:r>
-            <a:r>
-              <a:rPr lang="en-US" dirty="0">
-                <a:solidFill>
-                  <a:srgbClr val="0033B3"/>
-                </a:solidFill>
-                <a:effectLst/>
-                <a:latin typeface="JetBrains Mono"/>
-              </a:rPr>
-              <a:t>pub </a:t>
-            </a:r>
-            <a:r>
-              <a:rPr lang="en-US" dirty="0" err="1">
-                <a:solidFill>
-                  <a:srgbClr val="0033B3"/>
-                </a:solidFill>
-                <a:effectLst/>
-                <a:latin typeface="JetBrains Mono"/>
-              </a:rPr>
-              <a:t>fn</a:t>
-            </a:r>
-            <a:r>
-              <a:rPr lang="en-US" dirty="0">
-                <a:solidFill>
-                  <a:srgbClr val="0033B3"/>
-                </a:solidFill>
-                <a:effectLst/>
-                <a:latin typeface="JetBrains Mono"/>
-              </a:rPr>
-              <a:t> </a:t>
-            </a:r>
-            <a:r>
-              <a:rPr lang="en-US" dirty="0" err="1">
-                <a:solidFill>
-                  <a:srgbClr val="00627A"/>
-                </a:solidFill>
-                <a:effectLst/>
-                <a:latin typeface="JetBrains Mono"/>
-              </a:rPr>
-              <a:t>public_api</a:t>
-            </a:r>
-            <a:r>
-              <a:rPr lang="en-US" dirty="0">
-                <a:solidFill>
-                  <a:srgbClr val="080808"/>
-                </a:solidFill>
-                <a:effectLst/>
-                <a:latin typeface="JetBrains Mono"/>
-              </a:rPr>
-              <a:t>(){</a:t>
-            </a:r>
-            <a:br>
-              <a:rPr lang="en-US" dirty="0">
-                <a:solidFill>
-                  <a:srgbClr val="080808"/>
-                </a:solidFill>
-                <a:effectLst/>
-                <a:latin typeface="JetBrains Mono"/>
-              </a:rPr>
-            </a:br>
-            <a:r>
-              <a:rPr lang="en-US" dirty="0">
-                <a:solidFill>
-                  <a:srgbClr val="080808"/>
-                </a:solidFill>
-                <a:effectLst/>
-                <a:latin typeface="JetBrains Mono"/>
-              </a:rPr>
-              <a:t>        </a:t>
-            </a:r>
-            <a:r>
-              <a:rPr lang="en-US" dirty="0" err="1">
-                <a:solidFill>
-                  <a:srgbClr val="080808"/>
-                </a:solidFill>
-                <a:effectLst/>
-                <a:latin typeface="JetBrains Mono"/>
-              </a:rPr>
-              <a:t>private_api</a:t>
-            </a:r>
-            <a:r>
-              <a:rPr lang="en-US" dirty="0">
-                <a:solidFill>
-                  <a:srgbClr val="080808"/>
-                </a:solidFill>
-                <a:effectLst/>
-                <a:latin typeface="JetBrains Mono"/>
-              </a:rPr>
-              <a:t>();</a:t>
-            </a:r>
-            <a:br>
-              <a:rPr lang="en-US" dirty="0">
-                <a:solidFill>
-                  <a:srgbClr val="080808"/>
-                </a:solidFill>
-                <a:effectLst/>
-                <a:latin typeface="JetBrains Mono"/>
-              </a:rPr>
-            </a:br>
-            <a:r>
-              <a:rPr lang="en-US" dirty="0">
-                <a:solidFill>
-                  <a:srgbClr val="080808"/>
-                </a:solidFill>
-                <a:effectLst/>
-                <a:latin typeface="JetBrains Mono"/>
-              </a:rPr>
-              <a:t>    }</a:t>
-            </a:r>
-            <a:br>
-              <a:rPr lang="en-US" dirty="0">
-                <a:solidFill>
-                  <a:srgbClr val="080808"/>
-                </a:solidFill>
-                <a:effectLst/>
-                <a:latin typeface="JetBrains Mono"/>
-              </a:rPr>
-            </a:br>
-            <a:br>
-              <a:rPr lang="en-US" dirty="0">
-                <a:solidFill>
-                  <a:srgbClr val="080808"/>
-                </a:solidFill>
-                <a:effectLst/>
-                <a:latin typeface="JetBrains Mono"/>
-              </a:rPr>
-            </a:br>
-            <a:r>
-              <a:rPr lang="en-US" dirty="0">
-                <a:solidFill>
-                  <a:srgbClr val="080808"/>
-                </a:solidFill>
-                <a:effectLst/>
-                <a:latin typeface="JetBrains Mono"/>
-              </a:rPr>
-              <a:t>    </a:t>
-            </a:r>
-            <a:r>
-              <a:rPr lang="en-US" dirty="0" err="1">
-                <a:solidFill>
-                  <a:srgbClr val="0033B3"/>
-                </a:solidFill>
-                <a:effectLst/>
-                <a:latin typeface="JetBrains Mono"/>
-              </a:rPr>
-              <a:t>fn</a:t>
-            </a:r>
-            <a:r>
-              <a:rPr lang="en-US" dirty="0">
-                <a:solidFill>
-                  <a:srgbClr val="0033B3"/>
-                </a:solidFill>
-                <a:effectLst/>
-                <a:latin typeface="JetBrains Mono"/>
-              </a:rPr>
-              <a:t> </a:t>
-            </a:r>
-            <a:r>
-              <a:rPr lang="en-US" dirty="0" err="1">
-                <a:solidFill>
-                  <a:srgbClr val="00627A"/>
-                </a:solidFill>
-                <a:effectLst/>
-                <a:latin typeface="JetBrains Mono"/>
-              </a:rPr>
-              <a:t>private_api</a:t>
-            </a:r>
-            <a:r>
-              <a:rPr lang="en-US" dirty="0">
-                <a:solidFill>
-                  <a:srgbClr val="080808"/>
-                </a:solidFill>
-                <a:effectLst/>
-                <a:latin typeface="JetBrains Mono"/>
-              </a:rPr>
-              <a:t>(){</a:t>
-            </a:r>
-            <a:br>
-              <a:rPr lang="en-US" dirty="0">
-                <a:solidFill>
-                  <a:srgbClr val="080808"/>
-                </a:solidFill>
-                <a:effectLst/>
-                <a:latin typeface="JetBrains Mono"/>
-              </a:rPr>
-            </a:br>
-            <a:br>
-              <a:rPr lang="en-US" dirty="0">
-                <a:solidFill>
-                  <a:srgbClr val="080808"/>
-                </a:solidFill>
-                <a:effectLst/>
-                <a:latin typeface="JetBrains Mono"/>
-              </a:rPr>
-            </a:br>
-            <a:r>
-              <a:rPr lang="en-US" dirty="0">
-                <a:solidFill>
-                  <a:srgbClr val="080808"/>
-                </a:solidFill>
-                <a:effectLst/>
-                <a:latin typeface="JetBrains Mono"/>
-              </a:rPr>
-              <a:t>    }</a:t>
-            </a:r>
-            <a:br>
-              <a:rPr lang="en-US" dirty="0">
-                <a:solidFill>
-                  <a:srgbClr val="080808"/>
-                </a:solidFill>
-                <a:effectLst/>
-                <a:latin typeface="JetBrains Mono"/>
-              </a:rPr>
-            </a:br>
-            <a:r>
-              <a:rPr lang="en-US" dirty="0">
-                <a:solidFill>
-                  <a:srgbClr val="080808"/>
-                </a:solidFill>
-                <a:effectLst/>
-                <a:latin typeface="JetBrains Mono"/>
-              </a:rPr>
-              <a:t>}</a:t>
-            </a:r>
-          </a:p>
-          <a:p>
-            <a:endParaRPr lang="ru-RU" dirty="0"/>
-          </a:p>
-        </p:txBody>
-      </p:sp>
-      <p:sp>
-        <p:nvSpPr>
-          <p:cNvPr id="4" name="Content Placeholder 3">
-            <a:extLst>
-              <a:ext uri="{FF2B5EF4-FFF2-40B4-BE49-F238E27FC236}">
-                <a16:creationId xmlns:a16="http://schemas.microsoft.com/office/drawing/2014/main" id="{45B75316-996B-4F44-8B2B-DFBD69A84B7C}"/>
-              </a:ext>
-            </a:extLst>
-          </p:cNvPr>
-          <p:cNvSpPr>
-            <a:spLocks noGrp="1"/>
-          </p:cNvSpPr>
-          <p:nvPr>
-            <p:ph sz="half" idx="2"/>
-          </p:nvPr>
-        </p:nvSpPr>
-        <p:spPr/>
-        <p:txBody>
-          <a:bodyPr/>
-          <a:lstStyle/>
-          <a:p>
-            <a:pPr marL="0" indent="0">
-              <a:buNone/>
-            </a:pPr>
-            <a:r>
-              <a:rPr lang="en-US" dirty="0"/>
-              <a:t>Benefits of </a:t>
-            </a:r>
-            <a:r>
-              <a:rPr lang="en-US" dirty="0" err="1"/>
-              <a:t>autotests</a:t>
-            </a:r>
-            <a:endParaRPr lang="en-US" dirty="0"/>
-          </a:p>
-          <a:p>
-            <a:r>
-              <a:rPr lang="en-US" dirty="0"/>
-              <a:t>Regression</a:t>
-            </a:r>
-          </a:p>
-          <a:p>
-            <a:r>
-              <a:rPr lang="en-US" dirty="0"/>
-              <a:t>… that’s all folks!</a:t>
-            </a:r>
-            <a:endParaRPr lang="ru-RU" dirty="0"/>
-          </a:p>
-        </p:txBody>
-      </p:sp>
-    </p:spTree>
-    <p:extLst>
-      <p:ext uri="{BB962C8B-B14F-4D97-AF65-F5344CB8AC3E}">
-        <p14:creationId xmlns:p14="http://schemas.microsoft.com/office/powerpoint/2010/main" val="2951474691"/>
-      </p:ext>
-    </p:extLst>
-  </p:cSld>
-  <p:clrMapOvr>
-    <a:masterClrMapping/>
-  </p:clrMapOvr>
-  <p:timing>
-    <p:tnLst>
-      <p:par>
-        <p:cTn id="1" dur="indefinite" restart="never" nodeType="tmRoot">
-          <p:childTnLst>
-            <p:seq concurrent="1" nextAc="seek">
-              <p:cTn id="2" dur="indefinite" nodeType="mainSeq">
-                <p:childTnLst>
-                  <p:par>
-                    <p:cTn id="3" fill="hold">
-                      <p:stCondLst>
-                        <p:cond delay="indefinite"/>
-                      </p:stCondLst>
-                      <p:childTnLst>
-                        <p:par>
-                          <p:cTn id="4" fill="hold">
-                            <p:stCondLst>
-                              <p:cond delay="0"/>
-                            </p:stCondLst>
-                            <p:childTnLst>
-                              <p:par>
-                                <p:cTn id="5" presetID="1" presetClass="entr" presetSubtype="0" fill="hold" grpId="0" nodeType="clickEffect">
-                                  <p:stCondLst>
-                                    <p:cond delay="0"/>
-                                  </p:stCondLst>
-                                  <p:childTnLst>
-                                    <p:set>
-                                      <p:cBhvr>
-                                        <p:cTn id="6" dur="1" fill="hold">
-                                          <p:stCondLst>
-                                            <p:cond delay="0"/>
-                                          </p:stCondLst>
-                                        </p:cTn>
-                                        <p:tgtEl>
-                                          <p:spTgt spid="4">
-                                            <p:txEl>
-                                              <p:pRg st="0" end="0"/>
-                                            </p:txEl>
-                                          </p:spTgt>
-                                        </p:tgtEl>
-                                        <p:attrNameLst>
-                                          <p:attrName>style.visibility</p:attrName>
-                                        </p:attrNameLst>
-                                      </p:cBhvr>
-                                      <p:to>
-                                        <p:strVal val="visible"/>
-                                      </p:to>
-                                    </p:set>
-                                  </p:childTnLst>
-                                </p:cTn>
-                              </p:par>
-                            </p:childTnLst>
-                          </p:cTn>
-                        </p:par>
-                      </p:childTnLst>
-                    </p:cTn>
-                  </p:par>
-                  <p:par>
-                    <p:cTn id="7" fill="hold">
-                      <p:stCondLst>
-                        <p:cond delay="indefinite"/>
-                      </p:stCondLst>
-                      <p:childTnLst>
-                        <p:par>
-                          <p:cTn id="8" fill="hold">
-                            <p:stCondLst>
-                              <p:cond delay="0"/>
-                            </p:stCondLst>
-                            <p:childTnLst>
-                              <p:par>
-                                <p:cTn id="9" presetID="1" presetClass="entr" presetSubtype="0" fill="hold" grpId="0" nodeType="clickEffect">
-                                  <p:stCondLst>
-                                    <p:cond delay="0"/>
-                                  </p:stCondLst>
-                                  <p:childTnLst>
-                                    <p:set>
-                                      <p:cBhvr>
-                                        <p:cTn id="10" dur="1" fill="hold">
-                                          <p:stCondLst>
-                                            <p:cond delay="0"/>
-                                          </p:stCondLst>
-                                        </p:cTn>
-                                        <p:tgtEl>
-                                          <p:spTgt spid="4">
-                                            <p:txEl>
-                                              <p:pRg st="1" end="1"/>
-                                            </p:txEl>
-                                          </p:spTgt>
-                                        </p:tgtEl>
-                                        <p:attrNameLst>
-                                          <p:attrName>style.visibility</p:attrName>
-                                        </p:attrNameLst>
-                                      </p:cBhvr>
-                                      <p:to>
-                                        <p:strVal val="visible"/>
-                                      </p:to>
-                                    </p:set>
-                                  </p:childTnLst>
-                                </p:cTn>
-                              </p:par>
-                            </p:childTnLst>
-                          </p:cTn>
-                        </p:par>
-                      </p:childTnLst>
-                    </p:cTn>
-                  </p:par>
-                  <p:par>
-                    <p:cTn id="11" fill="hold">
-                      <p:stCondLst>
-                        <p:cond delay="indefinite"/>
-                      </p:stCondLst>
-                      <p:childTnLst>
-                        <p:par>
-                          <p:cTn id="12" fill="hold">
-                            <p:stCondLst>
-                              <p:cond delay="0"/>
-                            </p:stCondLst>
-                            <p:childTnLst>
-                              <p:par>
-                                <p:cTn id="13" presetID="1" presetClass="entr" presetSubtype="0" fill="hold" grpId="0" nodeType="clickEffect">
-                                  <p:stCondLst>
-                                    <p:cond delay="0"/>
-                                  </p:stCondLst>
-                                  <p:childTnLst>
-                                    <p:set>
-                                      <p:cBhvr>
-                                        <p:cTn id="14" dur="1" fill="hold">
-                                          <p:stCondLst>
-                                            <p:cond delay="0"/>
-                                          </p:stCondLst>
-                                        </p:cTn>
-                                        <p:tgtEl>
-                                          <p:spTgt spid="4">
-                                            <p:txEl>
-                                              <p:pRg st="2" end="2"/>
-                                            </p:txEl>
-                                          </p:spTgt>
-                                        </p:tgtEl>
-                                        <p:attrNameLst>
-                                          <p:attrName>style.visibility</p:attrName>
-                                        </p:attrNameLst>
-                                      </p:cBhvr>
-                                      <p:to>
-                                        <p:strVal val="visible"/>
-                                      </p:to>
-                                    </p:set>
-                                  </p:childTnLst>
-                                </p:cTn>
-                              </p:par>
-                            </p:childTnLst>
-                          </p:cTn>
-                        </p:par>
-                      </p:childTnLst>
-                    </p:cTn>
-                  </p:par>
-                </p:childTnLst>
-              </p:cTn>
-              <p:prevCondLst>
-                <p:cond evt="onPrev" delay="0">
-                  <p:tgtEl>
-                    <p:sldTgt/>
-                  </p:tgtEl>
-                </p:cond>
-              </p:prevCondLst>
-              <p:nextCondLst>
-                <p:cond evt="onNext" delay="0">
-                  <p:tgtEl>
-                    <p:sldTgt/>
-                  </p:tgtEl>
-                </p:cond>
-              </p:nextCondLst>
-            </p:seq>
-          </p:childTnLst>
-        </p:cTn>
-      </p:par>
-    </p:tnLst>
-    <p:bldLst>
-      <p:bldP spid="4" grpId="0" build="p"/>
-    </p:bldLst>
-  </p:timing>
-</p:sld>
-</file>
-
-<file path=ppt/slides/slide30.xml><?xml version="1.0" encoding="utf-8"?>
+<file path=ppt/slides/slide31.xml><?xml version="1.0" encoding="utf-8"?>
 <p:sld xmlns:a="http://schemas.openxmlformats.org/drawingml/2006/main" xmlns:r="http://schemas.openxmlformats.org/officeDocument/2006/relationships" xmlns:p="http://schemas.openxmlformats.org/presentationml/2006/main">
   <p:cSld>
     <p:spTree>
@@ -18563,7 +19340,7 @@
 </p:sld>
 </file>
 
-<file path=ppt/slides/slide31.xml><?xml version="1.0" encoding="utf-8"?>
+<file path=ppt/slides/slide32.xml><?xml version="1.0" encoding="utf-8"?>
 <p:sld xmlns:a="http://schemas.openxmlformats.org/drawingml/2006/main" xmlns:r="http://schemas.openxmlformats.org/officeDocument/2006/relationships" xmlns:p="http://schemas.openxmlformats.org/presentationml/2006/main">
   <p:cSld>
     <p:spTree>
@@ -19443,7 +20220,7 @@
 </p:sld>
 </file>
 
-<file path=ppt/slides/slide32.xml><?xml version="1.0" encoding="utf-8"?>
+<file path=ppt/slides/slide33.xml><?xml version="1.0" encoding="utf-8"?>
 <p:sld xmlns:a="http://schemas.openxmlformats.org/drawingml/2006/main" xmlns:r="http://schemas.openxmlformats.org/officeDocument/2006/relationships" xmlns:p="http://schemas.openxmlformats.org/presentationml/2006/main">
   <p:cSld>
     <p:spTree>
@@ -20156,7 +20933,7 @@
 </p:sld>
 </file>
 
-<file path=ppt/slides/slide33.xml><?xml version="1.0" encoding="utf-8"?>
+<file path=ppt/slides/slide34.xml><?xml version="1.0" encoding="utf-8"?>
 <p:sld xmlns:a="http://schemas.openxmlformats.org/drawingml/2006/main" xmlns:r="http://schemas.openxmlformats.org/officeDocument/2006/relationships" xmlns:p="http://schemas.openxmlformats.org/presentationml/2006/main">
   <p:cSld>
     <p:spTree>
@@ -20252,7 +21029,7 @@
 </p:sld>
 </file>
 
-<file path=ppt/slides/slide34.xml><?xml version="1.0" encoding="utf-8"?>
+<file path=ppt/slides/slide35.xml><?xml version="1.0" encoding="utf-8"?>
 <p:sld xmlns:a="http://schemas.openxmlformats.org/drawingml/2006/main" xmlns:r="http://schemas.openxmlformats.org/officeDocument/2006/relationships" xmlns:p="http://schemas.openxmlformats.org/presentationml/2006/main">
   <p:cSld>
     <p:spTree>
@@ -20627,7 +21404,7 @@
 </p:sld>
 </file>
 
-<file path=ppt/slides/slide35.xml><?xml version="1.0" encoding="utf-8"?>
+<file path=ppt/slides/slide36.xml><?xml version="1.0" encoding="utf-8"?>
 <p:sld xmlns:a="http://schemas.openxmlformats.org/drawingml/2006/main" xmlns:r="http://schemas.openxmlformats.org/officeDocument/2006/relationships" xmlns:p="http://schemas.openxmlformats.org/presentationml/2006/main">
   <p:cSld>
     <p:spTree>
@@ -20931,7 +21708,7 @@
 </p:sld>
 </file>
 
-<file path=ppt/slides/slide36.xml><?xml version="1.0" encoding="utf-8"?>
+<file path=ppt/slides/slide37.xml><?xml version="1.0" encoding="utf-8"?>
 <p:sld xmlns:a="http://schemas.openxmlformats.org/drawingml/2006/main" xmlns:r="http://schemas.openxmlformats.org/officeDocument/2006/relationships" xmlns:p="http://schemas.openxmlformats.org/presentationml/2006/main">
   <p:cSld>
     <p:spTree>
@@ -21432,6 +22209,606 @@
 </file>
 
 <file path=ppt/slides/slide4.xml><?xml version="1.0" encoding="utf-8"?>
+<p:sld xmlns:a="http://schemas.openxmlformats.org/drawingml/2006/main" xmlns:r="http://schemas.openxmlformats.org/officeDocument/2006/relationships" xmlns:p="http://schemas.openxmlformats.org/presentationml/2006/main">
+  <p:cSld>
+    <p:spTree>
+      <p:nvGrpSpPr>
+        <p:cNvPr id="1" name=""/>
+        <p:cNvGrpSpPr/>
+        <p:nvPr/>
+      </p:nvGrpSpPr>
+      <p:grpSpPr>
+        <a:xfrm>
+          <a:off x="0" y="0"/>
+          <a:ext cx="0" cy="0"/>
+          <a:chOff x="0" y="0"/>
+          <a:chExt cx="0" cy="0"/>
+        </a:xfrm>
+      </p:grpSpPr>
+      <p:sp>
+        <p:nvSpPr>
+          <p:cNvPr id="2" name="Title 1">
+            <a:extLst>
+              <a:ext uri="{FF2B5EF4-FFF2-40B4-BE49-F238E27FC236}">
+                <a16:creationId xmlns:a16="http://schemas.microsoft.com/office/drawing/2014/main" id="{AD0F8ABF-ACD2-3EED-21DC-286DB9CC1715}"/>
+              </a:ext>
+            </a:extLst>
+          </p:cNvPr>
+          <p:cNvSpPr>
+            <a:spLocks noGrp="1"/>
+          </p:cNvSpPr>
+          <p:nvPr>
+            <p:ph type="title"/>
+          </p:nvPr>
+        </p:nvSpPr>
+        <p:spPr/>
+        <p:txBody>
+          <a:bodyPr/>
+          <a:lstStyle/>
+          <a:p>
+            <a:r>
+              <a:rPr lang="en-US" dirty="0"/>
+              <a:t>Why should we need to test only public API?</a:t>
+            </a:r>
+            <a:endParaRPr lang="ru-RU" dirty="0"/>
+          </a:p>
+        </p:txBody>
+      </p:sp>
+      <p:sp>
+        <p:nvSpPr>
+          <p:cNvPr id="3" name="Content Placeholder 2">
+            <a:extLst>
+              <a:ext uri="{FF2B5EF4-FFF2-40B4-BE49-F238E27FC236}">
+                <a16:creationId xmlns:a16="http://schemas.microsoft.com/office/drawing/2014/main" id="{4723AD8E-A2D4-1BEC-F353-F2088DBA65FA}"/>
+              </a:ext>
+            </a:extLst>
+          </p:cNvPr>
+          <p:cNvSpPr>
+            <a:spLocks noGrp="1"/>
+          </p:cNvSpPr>
+          <p:nvPr>
+            <p:ph sz="half" idx="1"/>
+          </p:nvPr>
+        </p:nvSpPr>
+        <p:spPr/>
+        <p:txBody>
+          <a:bodyPr/>
+          <a:lstStyle/>
+          <a:p>
+            <a:pPr marL="0" indent="0">
+              <a:buNone/>
+            </a:pPr>
+            <a:r>
+              <a:rPr lang="en-US" dirty="0">
+                <a:solidFill>
+                  <a:srgbClr val="0033B3"/>
+                </a:solidFill>
+                <a:effectLst/>
+                <a:latin typeface="JetBrains Mono"/>
+              </a:rPr>
+              <a:t>mod </a:t>
+            </a:r>
+            <a:r>
+              <a:rPr lang="en-US" dirty="0" err="1">
+                <a:solidFill>
+                  <a:srgbClr val="000000"/>
+                </a:solidFill>
+                <a:effectLst/>
+                <a:latin typeface="JetBrains Mono"/>
+              </a:rPr>
+              <a:t>my_module</a:t>
+            </a:r>
+            <a:r>
+              <a:rPr lang="en-US" dirty="0">
+                <a:solidFill>
+                  <a:srgbClr val="000000"/>
+                </a:solidFill>
+                <a:effectLst/>
+                <a:latin typeface="JetBrains Mono"/>
+              </a:rPr>
+              <a:t> </a:t>
+            </a:r>
+            <a:r>
+              <a:rPr lang="en-US" dirty="0">
+                <a:solidFill>
+                  <a:srgbClr val="080808"/>
+                </a:solidFill>
+                <a:effectLst/>
+                <a:latin typeface="JetBrains Mono"/>
+              </a:rPr>
+              <a:t>{</a:t>
+            </a:r>
+            <a:br>
+              <a:rPr lang="en-US" dirty="0">
+                <a:solidFill>
+                  <a:srgbClr val="080808"/>
+                </a:solidFill>
+                <a:effectLst/>
+                <a:latin typeface="JetBrains Mono"/>
+              </a:rPr>
+            </a:br>
+            <a:r>
+              <a:rPr lang="en-US" dirty="0">
+                <a:solidFill>
+                  <a:srgbClr val="080808"/>
+                </a:solidFill>
+                <a:effectLst/>
+                <a:latin typeface="JetBrains Mono"/>
+              </a:rPr>
+              <a:t>    </a:t>
+            </a:r>
+            <a:r>
+              <a:rPr lang="en-US" dirty="0">
+                <a:solidFill>
+                  <a:srgbClr val="0033B3"/>
+                </a:solidFill>
+                <a:effectLst/>
+                <a:latin typeface="JetBrains Mono"/>
+              </a:rPr>
+              <a:t>pub </a:t>
+            </a:r>
+            <a:r>
+              <a:rPr lang="en-US" dirty="0" err="1">
+                <a:solidFill>
+                  <a:srgbClr val="0033B3"/>
+                </a:solidFill>
+                <a:effectLst/>
+                <a:latin typeface="JetBrains Mono"/>
+              </a:rPr>
+              <a:t>fn</a:t>
+            </a:r>
+            <a:r>
+              <a:rPr lang="en-US" dirty="0">
+                <a:solidFill>
+                  <a:srgbClr val="0033B3"/>
+                </a:solidFill>
+                <a:effectLst/>
+                <a:latin typeface="JetBrains Mono"/>
+              </a:rPr>
+              <a:t> </a:t>
+            </a:r>
+            <a:r>
+              <a:rPr lang="en-US" dirty="0" err="1">
+                <a:solidFill>
+                  <a:srgbClr val="00627A"/>
+                </a:solidFill>
+                <a:effectLst/>
+                <a:latin typeface="JetBrains Mono"/>
+              </a:rPr>
+              <a:t>public_api</a:t>
+            </a:r>
+            <a:r>
+              <a:rPr lang="en-US" dirty="0">
+                <a:solidFill>
+                  <a:srgbClr val="080808"/>
+                </a:solidFill>
+                <a:effectLst/>
+                <a:latin typeface="JetBrains Mono"/>
+              </a:rPr>
+              <a:t>(){</a:t>
+            </a:r>
+            <a:br>
+              <a:rPr lang="en-US" dirty="0">
+                <a:solidFill>
+                  <a:srgbClr val="080808"/>
+                </a:solidFill>
+                <a:effectLst/>
+                <a:latin typeface="JetBrains Mono"/>
+              </a:rPr>
+            </a:br>
+            <a:r>
+              <a:rPr lang="en-US" dirty="0">
+                <a:solidFill>
+                  <a:srgbClr val="080808"/>
+                </a:solidFill>
+                <a:effectLst/>
+                <a:latin typeface="JetBrains Mono"/>
+              </a:rPr>
+              <a:t>        </a:t>
+            </a:r>
+            <a:r>
+              <a:rPr lang="en-US" dirty="0" err="1">
+                <a:solidFill>
+                  <a:srgbClr val="080808"/>
+                </a:solidFill>
+                <a:effectLst/>
+                <a:latin typeface="JetBrains Mono"/>
+              </a:rPr>
+              <a:t>private_api</a:t>
+            </a:r>
+            <a:r>
+              <a:rPr lang="en-US" dirty="0">
+                <a:solidFill>
+                  <a:srgbClr val="080808"/>
+                </a:solidFill>
+                <a:effectLst/>
+                <a:latin typeface="JetBrains Mono"/>
+              </a:rPr>
+              <a:t>();</a:t>
+            </a:r>
+            <a:br>
+              <a:rPr lang="en-US" dirty="0">
+                <a:solidFill>
+                  <a:srgbClr val="080808"/>
+                </a:solidFill>
+                <a:effectLst/>
+                <a:latin typeface="JetBrains Mono"/>
+              </a:rPr>
+            </a:br>
+            <a:r>
+              <a:rPr lang="en-US" dirty="0">
+                <a:solidFill>
+                  <a:srgbClr val="080808"/>
+                </a:solidFill>
+                <a:effectLst/>
+                <a:latin typeface="JetBrains Mono"/>
+              </a:rPr>
+              <a:t>    }</a:t>
+            </a:r>
+            <a:br>
+              <a:rPr lang="en-US" dirty="0">
+                <a:solidFill>
+                  <a:srgbClr val="080808"/>
+                </a:solidFill>
+                <a:effectLst/>
+                <a:latin typeface="JetBrains Mono"/>
+              </a:rPr>
+            </a:br>
+            <a:br>
+              <a:rPr lang="en-US" dirty="0">
+                <a:solidFill>
+                  <a:srgbClr val="080808"/>
+                </a:solidFill>
+                <a:effectLst/>
+                <a:latin typeface="JetBrains Mono"/>
+              </a:rPr>
+            </a:br>
+            <a:r>
+              <a:rPr lang="en-US" dirty="0">
+                <a:solidFill>
+                  <a:srgbClr val="080808"/>
+                </a:solidFill>
+                <a:effectLst/>
+                <a:latin typeface="JetBrains Mono"/>
+              </a:rPr>
+              <a:t>    </a:t>
+            </a:r>
+            <a:r>
+              <a:rPr lang="en-US" dirty="0" err="1">
+                <a:solidFill>
+                  <a:srgbClr val="0033B3"/>
+                </a:solidFill>
+                <a:effectLst/>
+                <a:latin typeface="JetBrains Mono"/>
+              </a:rPr>
+              <a:t>fn</a:t>
+            </a:r>
+            <a:r>
+              <a:rPr lang="en-US" dirty="0">
+                <a:solidFill>
+                  <a:srgbClr val="0033B3"/>
+                </a:solidFill>
+                <a:effectLst/>
+                <a:latin typeface="JetBrains Mono"/>
+              </a:rPr>
+              <a:t> </a:t>
+            </a:r>
+            <a:r>
+              <a:rPr lang="en-US" dirty="0" err="1">
+                <a:solidFill>
+                  <a:srgbClr val="00627A"/>
+                </a:solidFill>
+                <a:effectLst/>
+                <a:latin typeface="JetBrains Mono"/>
+              </a:rPr>
+              <a:t>private_api</a:t>
+            </a:r>
+            <a:r>
+              <a:rPr lang="en-US" dirty="0">
+                <a:solidFill>
+                  <a:srgbClr val="080808"/>
+                </a:solidFill>
+                <a:effectLst/>
+                <a:latin typeface="JetBrains Mono"/>
+              </a:rPr>
+              <a:t>(){</a:t>
+            </a:r>
+            <a:br>
+              <a:rPr lang="en-US" dirty="0">
+                <a:solidFill>
+                  <a:srgbClr val="080808"/>
+                </a:solidFill>
+                <a:effectLst/>
+                <a:latin typeface="JetBrains Mono"/>
+              </a:rPr>
+            </a:br>
+            <a:br>
+              <a:rPr lang="en-US" dirty="0">
+                <a:solidFill>
+                  <a:srgbClr val="080808"/>
+                </a:solidFill>
+                <a:effectLst/>
+                <a:latin typeface="JetBrains Mono"/>
+              </a:rPr>
+            </a:br>
+            <a:r>
+              <a:rPr lang="en-US" dirty="0">
+                <a:solidFill>
+                  <a:srgbClr val="080808"/>
+                </a:solidFill>
+                <a:effectLst/>
+                <a:latin typeface="JetBrains Mono"/>
+              </a:rPr>
+              <a:t>    }</a:t>
+            </a:r>
+            <a:br>
+              <a:rPr lang="en-US" dirty="0">
+                <a:solidFill>
+                  <a:srgbClr val="080808"/>
+                </a:solidFill>
+                <a:effectLst/>
+                <a:latin typeface="JetBrains Mono"/>
+              </a:rPr>
+            </a:br>
+            <a:r>
+              <a:rPr lang="en-US" dirty="0">
+                <a:solidFill>
+                  <a:srgbClr val="080808"/>
+                </a:solidFill>
+                <a:effectLst/>
+                <a:latin typeface="JetBrains Mono"/>
+              </a:rPr>
+              <a:t>}</a:t>
+            </a:r>
+          </a:p>
+          <a:p>
+            <a:endParaRPr lang="ru-RU" dirty="0"/>
+          </a:p>
+        </p:txBody>
+      </p:sp>
+      <p:sp>
+        <p:nvSpPr>
+          <p:cNvPr id="4" name="Content Placeholder 3">
+            <a:extLst>
+              <a:ext uri="{FF2B5EF4-FFF2-40B4-BE49-F238E27FC236}">
+                <a16:creationId xmlns:a16="http://schemas.microsoft.com/office/drawing/2014/main" id="{45B75316-996B-4F44-8B2B-DFBD69A84B7C}"/>
+              </a:ext>
+            </a:extLst>
+          </p:cNvPr>
+          <p:cNvSpPr>
+            <a:spLocks noGrp="1"/>
+          </p:cNvSpPr>
+          <p:nvPr>
+            <p:ph sz="half" idx="2"/>
+          </p:nvPr>
+        </p:nvSpPr>
+        <p:spPr/>
+        <p:txBody>
+          <a:bodyPr/>
+          <a:lstStyle/>
+          <a:p>
+            <a:pPr marL="0" indent="0">
+              <a:buNone/>
+            </a:pPr>
+            <a:r>
+              <a:rPr lang="en-US" dirty="0"/>
+              <a:t>Benefits of </a:t>
+            </a:r>
+            <a:r>
+              <a:rPr lang="en-US" dirty="0" err="1"/>
+              <a:t>autotests</a:t>
+            </a:r>
+            <a:endParaRPr lang="en-US" dirty="0"/>
+          </a:p>
+          <a:p>
+            <a:r>
+              <a:rPr lang="en-US" dirty="0"/>
+              <a:t>Regression</a:t>
+            </a:r>
+          </a:p>
+          <a:p>
+            <a:r>
+              <a:rPr lang="en-US" dirty="0"/>
+              <a:t>… that’s all folks!</a:t>
+            </a:r>
+            <a:endParaRPr lang="ru-RU" dirty="0"/>
+          </a:p>
+        </p:txBody>
+      </p:sp>
+    </p:spTree>
+    <p:extLst>
+      <p:ext uri="{BB962C8B-B14F-4D97-AF65-F5344CB8AC3E}">
+        <p14:creationId xmlns:p14="http://schemas.microsoft.com/office/powerpoint/2010/main" val="2951474691"/>
+      </p:ext>
+    </p:extLst>
+  </p:cSld>
+  <p:clrMapOvr>
+    <a:masterClrMapping/>
+  </p:clrMapOvr>
+  <p:timing>
+    <p:tnLst>
+      <p:par>
+        <p:cTn id="1" dur="indefinite" restart="never" nodeType="tmRoot">
+          <p:childTnLst>
+            <p:seq concurrent="1" nextAc="seek">
+              <p:cTn id="2" dur="indefinite" nodeType="mainSeq">
+                <p:childTnLst>
+                  <p:par>
+                    <p:cTn id="3" fill="hold">
+                      <p:stCondLst>
+                        <p:cond delay="indefinite"/>
+                      </p:stCondLst>
+                      <p:childTnLst>
+                        <p:par>
+                          <p:cTn id="4" fill="hold">
+                            <p:stCondLst>
+                              <p:cond delay="0"/>
+                            </p:stCondLst>
+                            <p:childTnLst>
+                              <p:par>
+                                <p:cTn id="5" presetID="1" presetClass="entr" presetSubtype="0" fill="hold" grpId="0" nodeType="clickEffect">
+                                  <p:stCondLst>
+                                    <p:cond delay="0"/>
+                                  </p:stCondLst>
+                                  <p:childTnLst>
+                                    <p:set>
+                                      <p:cBhvr>
+                                        <p:cTn id="6" dur="1" fill="hold">
+                                          <p:stCondLst>
+                                            <p:cond delay="0"/>
+                                          </p:stCondLst>
+                                        </p:cTn>
+                                        <p:tgtEl>
+                                          <p:spTgt spid="4">
+                                            <p:txEl>
+                                              <p:pRg st="0" end="0"/>
+                                            </p:txEl>
+                                          </p:spTgt>
+                                        </p:tgtEl>
+                                        <p:attrNameLst>
+                                          <p:attrName>style.visibility</p:attrName>
+                                        </p:attrNameLst>
+                                      </p:cBhvr>
+                                      <p:to>
+                                        <p:strVal val="visible"/>
+                                      </p:to>
+                                    </p:set>
+                                  </p:childTnLst>
+                                </p:cTn>
+                              </p:par>
+                            </p:childTnLst>
+                          </p:cTn>
+                        </p:par>
+                      </p:childTnLst>
+                    </p:cTn>
+                  </p:par>
+                  <p:par>
+                    <p:cTn id="7" fill="hold">
+                      <p:stCondLst>
+                        <p:cond delay="indefinite"/>
+                      </p:stCondLst>
+                      <p:childTnLst>
+                        <p:par>
+                          <p:cTn id="8" fill="hold">
+                            <p:stCondLst>
+                              <p:cond delay="0"/>
+                            </p:stCondLst>
+                            <p:childTnLst>
+                              <p:par>
+                                <p:cTn id="9" presetID="1" presetClass="entr" presetSubtype="0" fill="hold" grpId="0" nodeType="clickEffect">
+                                  <p:stCondLst>
+                                    <p:cond delay="0"/>
+                                  </p:stCondLst>
+                                  <p:childTnLst>
+                                    <p:set>
+                                      <p:cBhvr>
+                                        <p:cTn id="10" dur="1" fill="hold">
+                                          <p:stCondLst>
+                                            <p:cond delay="0"/>
+                                          </p:stCondLst>
+                                        </p:cTn>
+                                        <p:tgtEl>
+                                          <p:spTgt spid="4">
+                                            <p:txEl>
+                                              <p:pRg st="1" end="1"/>
+                                            </p:txEl>
+                                          </p:spTgt>
+                                        </p:tgtEl>
+                                        <p:attrNameLst>
+                                          <p:attrName>style.visibility</p:attrName>
+                                        </p:attrNameLst>
+                                      </p:cBhvr>
+                                      <p:to>
+                                        <p:strVal val="visible"/>
+                                      </p:to>
+                                    </p:set>
+                                  </p:childTnLst>
+                                </p:cTn>
+                              </p:par>
+                            </p:childTnLst>
+                          </p:cTn>
+                        </p:par>
+                      </p:childTnLst>
+                    </p:cTn>
+                  </p:par>
+                  <p:par>
+                    <p:cTn id="11" fill="hold">
+                      <p:stCondLst>
+                        <p:cond delay="indefinite"/>
+                      </p:stCondLst>
+                      <p:childTnLst>
+                        <p:par>
+                          <p:cTn id="12" fill="hold">
+                            <p:stCondLst>
+                              <p:cond delay="0"/>
+                            </p:stCondLst>
+                            <p:childTnLst>
+                              <p:par>
+                                <p:cTn id="13" presetID="1" presetClass="entr" presetSubtype="0" fill="hold" grpId="0" nodeType="clickEffect">
+                                  <p:stCondLst>
+                                    <p:cond delay="0"/>
+                                  </p:stCondLst>
+                                  <p:childTnLst>
+                                    <p:set>
+                                      <p:cBhvr>
+                                        <p:cTn id="14" dur="1" fill="hold">
+                                          <p:stCondLst>
+                                            <p:cond delay="0"/>
+                                          </p:stCondLst>
+                                        </p:cTn>
+                                        <p:tgtEl>
+                                          <p:spTgt spid="4">
+                                            <p:txEl>
+                                              <p:pRg st="2" end="2"/>
+                                            </p:txEl>
+                                          </p:spTgt>
+                                        </p:tgtEl>
+                                        <p:attrNameLst>
+                                          <p:attrName>style.visibility</p:attrName>
+                                        </p:attrNameLst>
+                                      </p:cBhvr>
+                                      <p:to>
+                                        <p:strVal val="visible"/>
+                                      </p:to>
+                                    </p:set>
+                                  </p:childTnLst>
+                                </p:cTn>
+                              </p:par>
+                            </p:childTnLst>
+                          </p:cTn>
+                        </p:par>
+                      </p:childTnLst>
+                    </p:cTn>
+                  </p:par>
+                </p:childTnLst>
+              </p:cTn>
+              <p:prevCondLst>
+                <p:cond evt="onPrev" delay="0">
+                  <p:tgtEl>
+                    <p:sldTgt/>
+                  </p:tgtEl>
+                </p:cond>
+              </p:prevCondLst>
+              <p:nextCondLst>
+                <p:cond evt="onNext" delay="0">
+                  <p:tgtEl>
+                    <p:sldTgt/>
+                  </p:tgtEl>
+                </p:cond>
+              </p:nextCondLst>
+            </p:seq>
+          </p:childTnLst>
+        </p:cTn>
+      </p:par>
+    </p:tnLst>
+    <p:bldLst>
+      <p:bldP spid="4" grpId="0" build="p"/>
+    </p:bldLst>
+  </p:timing>
+</p:sld>
+</file>
+
+<file path=ppt/slides/slide5.xml><?xml version="1.0" encoding="utf-8"?>
 <p:sld xmlns:a="http://schemas.openxmlformats.org/drawingml/2006/main" xmlns:r="http://schemas.openxmlformats.org/officeDocument/2006/relationships" xmlns:p="http://schemas.openxmlformats.org/presentationml/2006/main">
   <p:cSld>
     <p:spTree>
@@ -22775,7 +24152,7 @@
 </p:sld>
 </file>
 
-<file path=ppt/slides/slide5.xml><?xml version="1.0" encoding="utf-8"?>
+<file path=ppt/slides/slide6.xml><?xml version="1.0" encoding="utf-8"?>
 <p:sld xmlns:a="http://schemas.openxmlformats.org/drawingml/2006/main" xmlns:r="http://schemas.openxmlformats.org/officeDocument/2006/relationships" xmlns:p="http://schemas.openxmlformats.org/presentationml/2006/main">
   <p:cSld>
     <p:spTree>
@@ -23509,7 +24886,7 @@
 </p:sld>
 </file>
 
-<file path=ppt/slides/slide6.xml><?xml version="1.0" encoding="utf-8"?>
+<file path=ppt/slides/slide7.xml><?xml version="1.0" encoding="utf-8"?>
 <p:sld xmlns:a="http://schemas.openxmlformats.org/drawingml/2006/main" xmlns:r="http://schemas.openxmlformats.org/officeDocument/2006/relationships" xmlns:p="http://schemas.openxmlformats.org/presentationml/2006/main">
   <p:cSld>
     <p:spTree>
@@ -24545,7 +25922,7 @@
 </p:sld>
 </file>
 
-<file path=ppt/slides/slide7.xml><?xml version="1.0" encoding="utf-8"?>
+<file path=ppt/slides/slide8.xml><?xml version="1.0" encoding="utf-8"?>
 <p:sld xmlns:a="http://schemas.openxmlformats.org/drawingml/2006/main" xmlns:r="http://schemas.openxmlformats.org/officeDocument/2006/relationships" xmlns:p="http://schemas.openxmlformats.org/presentationml/2006/main">
   <p:cSld>
     <p:spTree>
@@ -24695,7 +26072,7 @@
 </p:sld>
 </file>
 
-<file path=ppt/slides/slide8.xml><?xml version="1.0" encoding="utf-8"?>
+<file path=ppt/slides/slide9.xml><?xml version="1.0" encoding="utf-8"?>
 <p:sld xmlns:a="http://schemas.openxmlformats.org/drawingml/2006/main" xmlns:r="http://schemas.openxmlformats.org/officeDocument/2006/relationships" xmlns:p="http://schemas.openxmlformats.org/presentationml/2006/main">
   <p:cSld>
     <p:spTree>
@@ -25139,1089 +26516,6 @@
   <p:clrMapOvr>
     <a:masterClrMapping/>
   </p:clrMapOvr>
-</p:sld>
-</file>
-
-<file path=ppt/slides/slide9.xml><?xml version="1.0" encoding="utf-8"?>
-<p:sld xmlns:a="http://schemas.openxmlformats.org/drawingml/2006/main" xmlns:r="http://schemas.openxmlformats.org/officeDocument/2006/relationships" xmlns:p="http://schemas.openxmlformats.org/presentationml/2006/main">
-  <p:cSld>
-    <p:spTree>
-      <p:nvGrpSpPr>
-        <p:cNvPr id="1" name=""/>
-        <p:cNvGrpSpPr/>
-        <p:nvPr/>
-      </p:nvGrpSpPr>
-      <p:grpSpPr>
-        <a:xfrm>
-          <a:off x="0" y="0"/>
-          <a:ext cx="0" cy="0"/>
-          <a:chOff x="0" y="0"/>
-          <a:chExt cx="0" cy="0"/>
-        </a:xfrm>
-      </p:grpSpPr>
-      <p:sp>
-        <p:nvSpPr>
-          <p:cNvPr id="2" name="Title 1">
-            <a:extLst>
-              <a:ext uri="{FF2B5EF4-FFF2-40B4-BE49-F238E27FC236}">
-                <a16:creationId xmlns:a16="http://schemas.microsoft.com/office/drawing/2014/main" id="{719BB90A-4882-F383-530E-C7CAD1A2369F}"/>
-              </a:ext>
-            </a:extLst>
-          </p:cNvPr>
-          <p:cNvSpPr>
-            <a:spLocks noGrp="1"/>
-          </p:cNvSpPr>
-          <p:nvPr>
-            <p:ph type="title"/>
-          </p:nvPr>
-        </p:nvSpPr>
-        <p:spPr/>
-        <p:txBody>
-          <a:bodyPr/>
-          <a:lstStyle/>
-          <a:p>
-            <a:r>
-              <a:rPr lang="en-US" dirty="0"/>
-              <a:t>How to test </a:t>
-            </a:r>
-            <a:r>
-              <a:rPr lang="en-US" dirty="0" err="1">
-                <a:solidFill>
-                  <a:srgbClr val="DD6718"/>
-                </a:solidFill>
-                <a:effectLst/>
-                <a:latin typeface="JetBrains Mono"/>
-              </a:rPr>
-              <a:t>println</a:t>
-            </a:r>
-            <a:r>
-              <a:rPr lang="en-US" dirty="0">
-                <a:solidFill>
-                  <a:srgbClr val="DD6718"/>
-                </a:solidFill>
-                <a:effectLst/>
-                <a:latin typeface="JetBrains Mono"/>
-              </a:rPr>
-              <a:t>!</a:t>
-            </a:r>
-            <a:r>
-              <a:rPr lang="en-US" dirty="0">
-                <a:solidFill>
-                  <a:srgbClr val="080808"/>
-                </a:solidFill>
-                <a:effectLst/>
-                <a:latin typeface="JetBrains Mono"/>
-              </a:rPr>
-              <a:t>(</a:t>
-            </a:r>
-            <a:r>
-              <a:rPr lang="en-US" dirty="0">
-                <a:solidFill>
-                  <a:srgbClr val="067D17"/>
-                </a:solidFill>
-                <a:effectLst/>
-                <a:latin typeface="JetBrains Mono"/>
-              </a:rPr>
-              <a:t>“…"</a:t>
-            </a:r>
-            <a:r>
-              <a:rPr lang="en-US" dirty="0">
-                <a:solidFill>
-                  <a:srgbClr val="080808"/>
-                </a:solidFill>
-                <a:effectLst/>
-                <a:latin typeface="JetBrains Mono"/>
-              </a:rPr>
-              <a:t>)?</a:t>
-            </a:r>
-            <a:endParaRPr lang="ru-RU" dirty="0"/>
-          </a:p>
-        </p:txBody>
-      </p:sp>
-      <p:sp>
-        <p:nvSpPr>
-          <p:cNvPr id="3" name="Content Placeholder 2">
-            <a:extLst>
-              <a:ext uri="{FF2B5EF4-FFF2-40B4-BE49-F238E27FC236}">
-                <a16:creationId xmlns:a16="http://schemas.microsoft.com/office/drawing/2014/main" id="{7FBB964E-9D46-9CF3-9060-6480B7408747}"/>
-              </a:ext>
-            </a:extLst>
-          </p:cNvPr>
-          <p:cNvSpPr>
-            <a:spLocks noGrp="1"/>
-          </p:cNvSpPr>
-          <p:nvPr>
-            <p:ph sz="half" idx="1"/>
-          </p:nvPr>
-        </p:nvSpPr>
-        <p:spPr>
-          <a:xfrm>
-            <a:off x="838200" y="1825625"/>
-            <a:ext cx="4434385" cy="4351338"/>
-          </a:xfrm>
-        </p:spPr>
-        <p:txBody>
-          <a:bodyPr/>
-          <a:lstStyle/>
-          <a:p>
-            <a:pPr>
-              <a:buFontTx/>
-              <a:buChar char="-"/>
-            </a:pPr>
-            <a:r>
-              <a:rPr lang="en-US" b="1" i="1" dirty="0"/>
-              <a:t>lib.rs</a:t>
-            </a:r>
-          </a:p>
-          <a:p>
-            <a:pPr marL="0" indent="0">
-              <a:buNone/>
-            </a:pPr>
-            <a:r>
-              <a:rPr lang="en-US" dirty="0">
-                <a:solidFill>
-                  <a:srgbClr val="0033B3"/>
-                </a:solidFill>
-                <a:effectLst/>
-                <a:latin typeface="JetBrains Mono"/>
-              </a:rPr>
-              <a:t>pub </a:t>
-            </a:r>
-            <a:r>
-              <a:rPr lang="en-US" dirty="0" err="1">
-                <a:solidFill>
-                  <a:srgbClr val="0033B3"/>
-                </a:solidFill>
-                <a:effectLst/>
-                <a:latin typeface="JetBrains Mono"/>
-              </a:rPr>
-              <a:t>fn</a:t>
-            </a:r>
-            <a:r>
-              <a:rPr lang="en-US" dirty="0">
-                <a:solidFill>
-                  <a:srgbClr val="0033B3"/>
-                </a:solidFill>
-                <a:effectLst/>
-                <a:latin typeface="JetBrains Mono"/>
-              </a:rPr>
-              <a:t> </a:t>
-            </a:r>
-            <a:r>
-              <a:rPr lang="en-US" dirty="0">
-                <a:solidFill>
-                  <a:srgbClr val="00627A"/>
-                </a:solidFill>
-                <a:effectLst/>
-                <a:latin typeface="JetBrains Mono"/>
-              </a:rPr>
-              <a:t>run</a:t>
-            </a:r>
-            <a:r>
-              <a:rPr lang="en-US" dirty="0">
-                <a:solidFill>
-                  <a:srgbClr val="080808"/>
-                </a:solidFill>
-                <a:effectLst/>
-                <a:latin typeface="JetBrains Mono"/>
-              </a:rPr>
-              <a:t>(</a:t>
-            </a:r>
-            <a:r>
-              <a:rPr lang="en-US" dirty="0" err="1">
-                <a:solidFill>
-                  <a:srgbClr val="080808"/>
-                </a:solidFill>
-                <a:effectLst/>
-                <a:latin typeface="JetBrains Mono"/>
-              </a:rPr>
-              <a:t>stdout</a:t>
-            </a:r>
-            <a:r>
-              <a:rPr lang="en-US" dirty="0">
-                <a:solidFill>
-                  <a:srgbClr val="080808"/>
-                </a:solidFill>
-                <a:effectLst/>
-                <a:latin typeface="JetBrains Mono"/>
-              </a:rPr>
-              <a:t>: &amp;</a:t>
-            </a:r>
-            <a:r>
-              <a:rPr lang="en-US" dirty="0">
-                <a:solidFill>
-                  <a:srgbClr val="0033B3"/>
-                </a:solidFill>
-                <a:effectLst/>
-                <a:latin typeface="JetBrains Mono"/>
-              </a:rPr>
-              <a:t>mut </a:t>
-            </a:r>
-            <a:r>
-              <a:rPr lang="en-US" dirty="0" err="1">
-                <a:solidFill>
-                  <a:srgbClr val="0033B3"/>
-                </a:solidFill>
-                <a:effectLst/>
-                <a:latin typeface="JetBrains Mono"/>
-              </a:rPr>
-              <a:t>dyn</a:t>
-            </a:r>
-            <a:r>
-              <a:rPr lang="en-US" dirty="0">
-                <a:solidFill>
-                  <a:srgbClr val="0033B3"/>
-                </a:solidFill>
-                <a:effectLst/>
-                <a:latin typeface="JetBrains Mono"/>
-              </a:rPr>
-              <a:t> </a:t>
-            </a:r>
-            <a:r>
-              <a:rPr lang="en-US" dirty="0">
-                <a:solidFill>
-                  <a:srgbClr val="000000"/>
-                </a:solidFill>
-                <a:effectLst/>
-                <a:latin typeface="JetBrains Mono"/>
-              </a:rPr>
-              <a:t>Write</a:t>
-            </a:r>
-            <a:r>
-              <a:rPr lang="en-US" dirty="0">
-                <a:solidFill>
-                  <a:srgbClr val="080808"/>
-                </a:solidFill>
-                <a:effectLst/>
-                <a:latin typeface="JetBrains Mono"/>
-              </a:rPr>
-              <a:t>){</a:t>
-            </a:r>
-            <a:br>
-              <a:rPr lang="en-US" dirty="0">
-                <a:solidFill>
-                  <a:srgbClr val="080808"/>
-                </a:solidFill>
-                <a:effectLst/>
-                <a:latin typeface="JetBrains Mono"/>
-              </a:rPr>
-            </a:br>
-            <a:r>
-              <a:rPr lang="en-US" dirty="0">
-                <a:solidFill>
-                  <a:srgbClr val="080808"/>
-                </a:solidFill>
-                <a:effectLst/>
-                <a:latin typeface="JetBrains Mono"/>
-              </a:rPr>
-              <a:t>    ...</a:t>
-            </a:r>
-            <a:br>
-              <a:rPr lang="en-US" dirty="0">
-                <a:solidFill>
-                  <a:srgbClr val="080808"/>
-                </a:solidFill>
-                <a:effectLst/>
-                <a:latin typeface="JetBrains Mono"/>
-              </a:rPr>
-            </a:br>
-            <a:r>
-              <a:rPr lang="en-US" dirty="0">
-                <a:solidFill>
-                  <a:srgbClr val="080808"/>
-                </a:solidFill>
-                <a:effectLst/>
-                <a:latin typeface="JetBrains Mono"/>
-              </a:rPr>
-              <a:t>    </a:t>
-            </a:r>
-            <a:r>
-              <a:rPr lang="en-US" dirty="0" err="1">
-                <a:solidFill>
-                  <a:srgbClr val="DD6718"/>
-                </a:solidFill>
-                <a:effectLst/>
-                <a:latin typeface="JetBrains Mono"/>
-              </a:rPr>
-              <a:t>writeln</a:t>
-            </a:r>
-            <a:r>
-              <a:rPr lang="en-US" dirty="0">
-                <a:solidFill>
-                  <a:srgbClr val="DD6718"/>
-                </a:solidFill>
-                <a:effectLst/>
-                <a:latin typeface="JetBrains Mono"/>
-              </a:rPr>
-              <a:t>!</a:t>
-            </a:r>
-            <a:r>
-              <a:rPr lang="en-US" dirty="0">
-                <a:solidFill>
-                  <a:srgbClr val="080808"/>
-                </a:solidFill>
-                <a:effectLst/>
-                <a:latin typeface="JetBrains Mono"/>
-              </a:rPr>
-              <a:t>(</a:t>
-            </a:r>
-            <a:r>
-              <a:rPr lang="en-US" dirty="0" err="1">
-                <a:solidFill>
-                  <a:srgbClr val="080808"/>
-                </a:solidFill>
-                <a:effectLst/>
-                <a:latin typeface="JetBrains Mono"/>
-              </a:rPr>
-              <a:t>stdout</a:t>
-            </a:r>
-            <a:r>
-              <a:rPr lang="en-US" dirty="0">
-                <a:solidFill>
-                  <a:srgbClr val="080808"/>
-                </a:solidFill>
-                <a:effectLst/>
-                <a:latin typeface="JetBrains Mono"/>
-              </a:rPr>
-              <a:t>, </a:t>
-            </a:r>
-            <a:r>
-              <a:rPr lang="en-US" dirty="0">
-                <a:solidFill>
-                  <a:srgbClr val="067D17"/>
-                </a:solidFill>
-                <a:effectLst/>
-                <a:latin typeface="JetBrains Mono"/>
-              </a:rPr>
-              <a:t>"Hello"</a:t>
-            </a:r>
-            <a:r>
-              <a:rPr lang="en-US" dirty="0">
-                <a:solidFill>
-                  <a:srgbClr val="080808"/>
-                </a:solidFill>
-                <a:effectLst/>
-                <a:latin typeface="JetBrains Mono"/>
-              </a:rPr>
-              <a:t>);</a:t>
-            </a:r>
-            <a:br>
-              <a:rPr lang="en-US" dirty="0">
-                <a:solidFill>
-                  <a:srgbClr val="080808"/>
-                </a:solidFill>
-                <a:effectLst/>
-                <a:latin typeface="JetBrains Mono"/>
-              </a:rPr>
-            </a:br>
-            <a:r>
-              <a:rPr lang="en-US" dirty="0">
-                <a:solidFill>
-                  <a:srgbClr val="080808"/>
-                </a:solidFill>
-                <a:effectLst/>
-                <a:latin typeface="JetBrains Mono"/>
-              </a:rPr>
-              <a:t>    ...</a:t>
-            </a:r>
-            <a:br>
-              <a:rPr lang="en-US" dirty="0">
-                <a:solidFill>
-                  <a:srgbClr val="080808"/>
-                </a:solidFill>
-                <a:effectLst/>
-                <a:latin typeface="JetBrains Mono"/>
-              </a:rPr>
-            </a:br>
-            <a:r>
-              <a:rPr lang="en-US" dirty="0">
-                <a:solidFill>
-                  <a:srgbClr val="080808"/>
-                </a:solidFill>
-                <a:effectLst/>
-                <a:latin typeface="JetBrains Mono"/>
-              </a:rPr>
-              <a:t>}</a:t>
-            </a:r>
-          </a:p>
-          <a:p>
-            <a:pPr marL="0" indent="0">
-              <a:buNone/>
-            </a:pPr>
-            <a:endParaRPr lang="en-US" dirty="0"/>
-          </a:p>
-        </p:txBody>
-      </p:sp>
-      <p:sp>
-        <p:nvSpPr>
-          <p:cNvPr id="4" name="Content Placeholder 3">
-            <a:extLst>
-              <a:ext uri="{FF2B5EF4-FFF2-40B4-BE49-F238E27FC236}">
-                <a16:creationId xmlns:a16="http://schemas.microsoft.com/office/drawing/2014/main" id="{D90B06E6-CC7F-F9C4-75E6-7DA531BE6908}"/>
-              </a:ext>
-            </a:extLst>
-          </p:cNvPr>
-          <p:cNvSpPr>
-            <a:spLocks noGrp="1"/>
-          </p:cNvSpPr>
-          <p:nvPr>
-            <p:ph sz="half" idx="2"/>
-          </p:nvPr>
-        </p:nvSpPr>
-        <p:spPr>
-          <a:xfrm>
-            <a:off x="5217995" y="1825625"/>
-            <a:ext cx="7014948" cy="4351338"/>
-          </a:xfrm>
-        </p:spPr>
-        <p:txBody>
-          <a:bodyPr/>
-          <a:lstStyle/>
-          <a:p>
-            <a:pPr>
-              <a:buFontTx/>
-              <a:buChar char="-"/>
-            </a:pPr>
-            <a:r>
-              <a:rPr lang="en-US" b="1" i="1" dirty="0"/>
-              <a:t>main.rs</a:t>
-            </a:r>
-          </a:p>
-          <a:p>
-            <a:pPr marL="0" indent="0">
-              <a:buNone/>
-            </a:pPr>
-            <a:r>
-              <a:rPr lang="en-US" dirty="0">
-                <a:solidFill>
-                  <a:srgbClr val="080808"/>
-                </a:solidFill>
-                <a:effectLst/>
-                <a:latin typeface="JetBrains Mono"/>
-              </a:rPr>
-              <a:t>run(&amp;</a:t>
-            </a:r>
-            <a:r>
-              <a:rPr lang="en-US" dirty="0">
-                <a:solidFill>
-                  <a:srgbClr val="0033B3"/>
-                </a:solidFill>
-                <a:effectLst/>
-                <a:latin typeface="JetBrains Mono"/>
-              </a:rPr>
-              <a:t>mut </a:t>
-            </a:r>
-            <a:r>
-              <a:rPr lang="en-US" dirty="0">
-                <a:solidFill>
-                  <a:srgbClr val="000000"/>
-                </a:solidFill>
-                <a:effectLst/>
-                <a:latin typeface="JetBrains Mono"/>
-              </a:rPr>
-              <a:t>io</a:t>
-            </a:r>
-            <a:r>
-              <a:rPr lang="en-US" dirty="0">
-                <a:solidFill>
-                  <a:srgbClr val="080808"/>
-                </a:solidFill>
-                <a:effectLst/>
-                <a:latin typeface="JetBrains Mono"/>
-              </a:rPr>
-              <a:t>::</a:t>
-            </a:r>
-            <a:r>
-              <a:rPr lang="en-US" dirty="0" err="1">
-                <a:solidFill>
-                  <a:srgbClr val="080808"/>
-                </a:solidFill>
-                <a:effectLst/>
-                <a:latin typeface="JetBrains Mono"/>
-              </a:rPr>
-              <a:t>stdout</a:t>
-            </a:r>
-            <a:r>
-              <a:rPr lang="en-US" dirty="0">
-                <a:solidFill>
-                  <a:srgbClr val="080808"/>
-                </a:solidFill>
-                <a:effectLst/>
-                <a:latin typeface="JetBrains Mono"/>
-              </a:rPr>
-              <a:t>())</a:t>
-            </a:r>
-          </a:p>
-          <a:p>
-            <a:pPr>
-              <a:buFontTx/>
-              <a:buChar char="-"/>
-            </a:pPr>
-            <a:r>
-              <a:rPr lang="en-US" b="1" i="1" dirty="0"/>
-              <a:t>test.rs</a:t>
-            </a:r>
-          </a:p>
-          <a:p>
-            <a:pPr marL="0" indent="0">
-              <a:buNone/>
-            </a:pPr>
-            <a:r>
-              <a:rPr lang="en-US" dirty="0">
-                <a:solidFill>
-                  <a:srgbClr val="0033B3"/>
-                </a:solidFill>
-                <a:effectLst/>
-                <a:latin typeface="JetBrains Mono"/>
-              </a:rPr>
-              <a:t>let mut </a:t>
-            </a:r>
-            <a:r>
-              <a:rPr lang="en-US" dirty="0">
-                <a:solidFill>
-                  <a:srgbClr val="000000"/>
-                </a:solidFill>
-                <a:effectLst/>
-                <a:latin typeface="JetBrains Mono"/>
-              </a:rPr>
-              <a:t>buffer</a:t>
-            </a:r>
-            <a:r>
-              <a:rPr lang="en-US" dirty="0">
-                <a:solidFill>
-                  <a:srgbClr val="080808"/>
-                </a:solidFill>
-                <a:effectLst/>
-                <a:latin typeface="JetBrains Mono"/>
-              </a:rPr>
-              <a:t>: </a:t>
-            </a:r>
-            <a:r>
-              <a:rPr lang="en-US" dirty="0" err="1">
-                <a:solidFill>
-                  <a:srgbClr val="000000"/>
-                </a:solidFill>
-                <a:effectLst/>
-                <a:latin typeface="JetBrains Mono"/>
-              </a:rPr>
-              <a:t>Vec</a:t>
-            </a:r>
-            <a:r>
-              <a:rPr lang="en-US" dirty="0">
-                <a:solidFill>
-                  <a:srgbClr val="080808"/>
-                </a:solidFill>
-                <a:effectLst/>
-                <a:latin typeface="JetBrains Mono"/>
-              </a:rPr>
-              <a:t>&lt;</a:t>
-            </a:r>
-            <a:r>
-              <a:rPr lang="en-US" dirty="0">
-                <a:solidFill>
-                  <a:srgbClr val="0033B3"/>
-                </a:solidFill>
-                <a:effectLst/>
-                <a:latin typeface="JetBrains Mono"/>
-              </a:rPr>
-              <a:t>u8</a:t>
-            </a:r>
-            <a:r>
-              <a:rPr lang="en-US" dirty="0">
-                <a:solidFill>
-                  <a:srgbClr val="080808"/>
-                </a:solidFill>
-                <a:effectLst/>
-                <a:latin typeface="JetBrains Mono"/>
-              </a:rPr>
-              <a:t>&gt; = </a:t>
-            </a:r>
-            <a:r>
-              <a:rPr lang="en-US" dirty="0" err="1">
-                <a:solidFill>
-                  <a:srgbClr val="000000"/>
-                </a:solidFill>
-                <a:effectLst/>
-                <a:latin typeface="JetBrains Mono"/>
-              </a:rPr>
-              <a:t>Vec</a:t>
-            </a:r>
-            <a:r>
-              <a:rPr lang="en-US" dirty="0">
-                <a:solidFill>
-                  <a:srgbClr val="080808"/>
-                </a:solidFill>
-                <a:effectLst/>
-                <a:latin typeface="JetBrains Mono"/>
-              </a:rPr>
-              <a:t>::</a:t>
-            </a:r>
-            <a:r>
-              <a:rPr lang="en-US" i="1" dirty="0">
-                <a:solidFill>
-                  <a:srgbClr val="00627A"/>
-                </a:solidFill>
-                <a:effectLst/>
-                <a:latin typeface="JetBrains Mono"/>
-              </a:rPr>
-              <a:t>new</a:t>
-            </a:r>
-            <a:r>
-              <a:rPr lang="en-US" dirty="0">
-                <a:solidFill>
-                  <a:srgbClr val="080808"/>
-                </a:solidFill>
-                <a:effectLst/>
-                <a:latin typeface="JetBrains Mono"/>
-              </a:rPr>
-              <a:t>();</a:t>
-            </a:r>
-            <a:br>
-              <a:rPr lang="en-US" dirty="0">
-                <a:solidFill>
-                  <a:srgbClr val="080808"/>
-                </a:solidFill>
-                <a:effectLst/>
-                <a:latin typeface="JetBrains Mono"/>
-              </a:rPr>
-            </a:br>
-            <a:r>
-              <a:rPr lang="en-US" dirty="0">
-                <a:solidFill>
-                  <a:srgbClr val="080808"/>
-                </a:solidFill>
-                <a:effectLst/>
-                <a:latin typeface="JetBrains Mono"/>
-              </a:rPr>
-              <a:t>run(&amp;</a:t>
-            </a:r>
-            <a:r>
-              <a:rPr lang="en-US" dirty="0">
-                <a:solidFill>
-                  <a:srgbClr val="0033B3"/>
-                </a:solidFill>
-                <a:effectLst/>
-                <a:latin typeface="JetBrains Mono"/>
-              </a:rPr>
-              <a:t>mut </a:t>
-            </a:r>
-            <a:r>
-              <a:rPr lang="en-US" dirty="0">
-                <a:solidFill>
-                  <a:srgbClr val="000000"/>
-                </a:solidFill>
-                <a:effectLst/>
-                <a:latin typeface="JetBrains Mono"/>
-              </a:rPr>
-              <a:t>buffer</a:t>
-            </a:r>
-            <a:r>
-              <a:rPr lang="en-US" dirty="0">
-                <a:solidFill>
-                  <a:srgbClr val="080808"/>
-                </a:solidFill>
-                <a:effectLst/>
-                <a:latin typeface="JetBrains Mono"/>
-              </a:rPr>
-              <a:t>);</a:t>
-            </a:r>
-            <a:br>
-              <a:rPr lang="en-US" dirty="0">
-                <a:solidFill>
-                  <a:srgbClr val="080808"/>
-                </a:solidFill>
-                <a:effectLst/>
-                <a:latin typeface="JetBrains Mono"/>
-              </a:rPr>
-            </a:br>
-            <a:r>
-              <a:rPr lang="en-US" dirty="0">
-                <a:solidFill>
-                  <a:srgbClr val="0033B3"/>
-                </a:solidFill>
-                <a:effectLst/>
-                <a:latin typeface="JetBrains Mono"/>
-              </a:rPr>
-              <a:t>let </a:t>
-            </a:r>
-            <a:r>
-              <a:rPr lang="en-US" dirty="0">
-                <a:solidFill>
-                  <a:srgbClr val="000000"/>
-                </a:solidFill>
-                <a:effectLst/>
-                <a:latin typeface="JetBrains Mono"/>
-              </a:rPr>
-              <a:t>actual </a:t>
-            </a:r>
-            <a:r>
-              <a:rPr lang="en-US" dirty="0">
-                <a:solidFill>
-                  <a:srgbClr val="080808"/>
-                </a:solidFill>
-                <a:effectLst/>
-                <a:latin typeface="JetBrains Mono"/>
-              </a:rPr>
-              <a:t>= </a:t>
-            </a:r>
-            <a:r>
-              <a:rPr lang="en-US" dirty="0">
-                <a:solidFill>
-                  <a:srgbClr val="000000"/>
-                </a:solidFill>
-                <a:effectLst/>
-                <a:latin typeface="JetBrains Mono"/>
-              </a:rPr>
-              <a:t>String</a:t>
-            </a:r>
-            <a:r>
-              <a:rPr lang="en-US" dirty="0">
-                <a:solidFill>
-                  <a:srgbClr val="080808"/>
-                </a:solidFill>
-                <a:effectLst/>
-                <a:latin typeface="JetBrains Mono"/>
-              </a:rPr>
-              <a:t>::</a:t>
-            </a:r>
-            <a:r>
-              <a:rPr lang="en-US" i="1" dirty="0">
-                <a:solidFill>
-                  <a:srgbClr val="00627A"/>
-                </a:solidFill>
-                <a:effectLst/>
-                <a:latin typeface="JetBrains Mono"/>
-              </a:rPr>
-              <a:t>from_utf8</a:t>
-            </a:r>
-            <a:r>
-              <a:rPr lang="en-US" dirty="0">
-                <a:solidFill>
-                  <a:srgbClr val="080808"/>
-                </a:solidFill>
-                <a:effectLst/>
-                <a:latin typeface="JetBrains Mono"/>
-              </a:rPr>
-              <a:t>(</a:t>
-            </a:r>
-            <a:r>
-              <a:rPr lang="en-US" dirty="0">
-                <a:solidFill>
-                  <a:srgbClr val="000000"/>
-                </a:solidFill>
-                <a:effectLst/>
-                <a:latin typeface="JetBrains Mono"/>
-              </a:rPr>
-              <a:t>buffer</a:t>
-            </a:r>
-            <a:r>
-              <a:rPr lang="en-US" dirty="0">
-                <a:solidFill>
-                  <a:srgbClr val="080808"/>
-                </a:solidFill>
-                <a:effectLst/>
-                <a:latin typeface="JetBrains Mono"/>
-              </a:rPr>
-              <a:t>).unwrap();</a:t>
-            </a:r>
-          </a:p>
-          <a:p>
-            <a:pPr marL="0" indent="0">
-              <a:buNone/>
-            </a:pPr>
-            <a:endParaRPr lang="ru-RU" dirty="0"/>
-          </a:p>
-        </p:txBody>
-      </p:sp>
-    </p:spTree>
-    <p:extLst>
-      <p:ext uri="{BB962C8B-B14F-4D97-AF65-F5344CB8AC3E}">
-        <p14:creationId xmlns:p14="http://schemas.microsoft.com/office/powerpoint/2010/main" val="3531670886"/>
-      </p:ext>
-    </p:extLst>
-  </p:cSld>
-  <p:clrMapOvr>
-    <a:masterClrMapping/>
-  </p:clrMapOvr>
-  <p:timing>
-    <p:tnLst>
-      <p:par>
-        <p:cTn id="1" dur="indefinite" restart="never" nodeType="tmRoot">
-          <p:childTnLst>
-            <p:seq concurrent="1" nextAc="seek">
-              <p:cTn id="2" dur="indefinite" nodeType="mainSeq">
-                <p:childTnLst>
-                  <p:par>
-                    <p:cTn id="3" fill="hold">
-                      <p:stCondLst>
-                        <p:cond delay="indefinite"/>
-                      </p:stCondLst>
-                      <p:childTnLst>
-                        <p:par>
-                          <p:cTn id="4" fill="hold">
-                            <p:stCondLst>
-                              <p:cond delay="0"/>
-                            </p:stCondLst>
-                            <p:childTnLst>
-                              <p:par>
-                                <p:cTn id="5" presetID="1" presetClass="entr" presetSubtype="0" fill="hold" grpId="0" nodeType="clickEffect">
-                                  <p:stCondLst>
-                                    <p:cond delay="0"/>
-                                  </p:stCondLst>
-                                  <p:childTnLst>
-                                    <p:set>
-                                      <p:cBhvr>
-                                        <p:cTn id="6" dur="1" fill="hold">
-                                          <p:stCondLst>
-                                            <p:cond delay="0"/>
-                                          </p:stCondLst>
-                                        </p:cTn>
-                                        <p:tgtEl>
-                                          <p:spTgt spid="3">
-                                            <p:txEl>
-                                              <p:pRg st="1" end="1"/>
-                                            </p:txEl>
-                                          </p:spTgt>
-                                        </p:tgtEl>
-                                        <p:attrNameLst>
-                                          <p:attrName>style.visibility</p:attrName>
-                                        </p:attrNameLst>
-                                      </p:cBhvr>
-                                      <p:to>
-                                        <p:strVal val="visible"/>
-                                      </p:to>
-                                    </p:set>
-                                  </p:childTnLst>
-                                </p:cTn>
-                              </p:par>
-                            </p:childTnLst>
-                          </p:cTn>
-                        </p:par>
-                      </p:childTnLst>
-                    </p:cTn>
-                  </p:par>
-                  <p:par>
-                    <p:cTn id="7" fill="hold">
-                      <p:stCondLst>
-                        <p:cond delay="indefinite"/>
-                      </p:stCondLst>
-                      <p:childTnLst>
-                        <p:par>
-                          <p:cTn id="8" fill="hold">
-                            <p:stCondLst>
-                              <p:cond delay="0"/>
-                            </p:stCondLst>
-                            <p:childTnLst>
-                              <p:par>
-                                <p:cTn id="9" presetID="1" presetClass="entr" presetSubtype="0" fill="hold" grpId="0" nodeType="clickEffect">
-                                  <p:stCondLst>
-                                    <p:cond delay="0"/>
-                                  </p:stCondLst>
-                                  <p:childTnLst>
-                                    <p:set>
-                                      <p:cBhvr>
-                                        <p:cTn id="10" dur="1" fill="hold">
-                                          <p:stCondLst>
-                                            <p:cond delay="0"/>
-                                          </p:stCondLst>
-                                        </p:cTn>
-                                        <p:tgtEl>
-                                          <p:spTgt spid="4">
-                                            <p:txEl>
-                                              <p:pRg st="0" end="0"/>
-                                            </p:txEl>
-                                          </p:spTgt>
-                                        </p:tgtEl>
-                                        <p:attrNameLst>
-                                          <p:attrName>style.visibility</p:attrName>
-                                        </p:attrNameLst>
-                                      </p:cBhvr>
-                                      <p:to>
-                                        <p:strVal val="visible"/>
-                                      </p:to>
-                                    </p:set>
-                                  </p:childTnLst>
-                                </p:cTn>
-                              </p:par>
-                            </p:childTnLst>
-                          </p:cTn>
-                        </p:par>
-                      </p:childTnLst>
-                    </p:cTn>
-                  </p:par>
-                  <p:par>
-                    <p:cTn id="11" fill="hold">
-                      <p:stCondLst>
-                        <p:cond delay="indefinite"/>
-                      </p:stCondLst>
-                      <p:childTnLst>
-                        <p:par>
-                          <p:cTn id="12" fill="hold">
-                            <p:stCondLst>
-                              <p:cond delay="0"/>
-                            </p:stCondLst>
-                            <p:childTnLst>
-                              <p:par>
-                                <p:cTn id="13" presetID="1" presetClass="entr" presetSubtype="0" fill="hold" grpId="0" nodeType="clickEffect">
-                                  <p:stCondLst>
-                                    <p:cond delay="0"/>
-                                  </p:stCondLst>
-                                  <p:childTnLst>
-                                    <p:set>
-                                      <p:cBhvr>
-                                        <p:cTn id="14" dur="1" fill="hold">
-                                          <p:stCondLst>
-                                            <p:cond delay="0"/>
-                                          </p:stCondLst>
-                                        </p:cTn>
-                                        <p:tgtEl>
-                                          <p:spTgt spid="4">
-                                            <p:txEl>
-                                              <p:pRg st="1" end="1"/>
-                                            </p:txEl>
-                                          </p:spTgt>
-                                        </p:tgtEl>
-                                        <p:attrNameLst>
-                                          <p:attrName>style.visibility</p:attrName>
-                                        </p:attrNameLst>
-                                      </p:cBhvr>
-                                      <p:to>
-                                        <p:strVal val="visible"/>
-                                      </p:to>
-                                    </p:set>
-                                  </p:childTnLst>
-                                </p:cTn>
-                              </p:par>
-                            </p:childTnLst>
-                          </p:cTn>
-                        </p:par>
-                      </p:childTnLst>
-                    </p:cTn>
-                  </p:par>
-                  <p:par>
-                    <p:cTn id="15" fill="hold">
-                      <p:stCondLst>
-                        <p:cond delay="indefinite"/>
-                      </p:stCondLst>
-                      <p:childTnLst>
-                        <p:par>
-                          <p:cTn id="16" fill="hold">
-                            <p:stCondLst>
-                              <p:cond delay="0"/>
-                            </p:stCondLst>
-                            <p:childTnLst>
-                              <p:par>
-                                <p:cTn id="17" presetID="1" presetClass="entr" presetSubtype="0" fill="hold" grpId="0" nodeType="clickEffect">
-                                  <p:stCondLst>
-                                    <p:cond delay="0"/>
-                                  </p:stCondLst>
-                                  <p:childTnLst>
-                                    <p:set>
-                                      <p:cBhvr>
-                                        <p:cTn id="18" dur="1" fill="hold">
-                                          <p:stCondLst>
-                                            <p:cond delay="0"/>
-                                          </p:stCondLst>
-                                        </p:cTn>
-                                        <p:tgtEl>
-                                          <p:spTgt spid="4">
-                                            <p:txEl>
-                                              <p:pRg st="2" end="2"/>
-                                            </p:txEl>
-                                          </p:spTgt>
-                                        </p:tgtEl>
-                                        <p:attrNameLst>
-                                          <p:attrName>style.visibility</p:attrName>
-                                        </p:attrNameLst>
-                                      </p:cBhvr>
-                                      <p:to>
-                                        <p:strVal val="visible"/>
-                                      </p:to>
-                                    </p:set>
-                                  </p:childTnLst>
-                                </p:cTn>
-                              </p:par>
-                            </p:childTnLst>
-                          </p:cTn>
-                        </p:par>
-                      </p:childTnLst>
-                    </p:cTn>
-                  </p:par>
-                  <p:par>
-                    <p:cTn id="19" fill="hold">
-                      <p:stCondLst>
-                        <p:cond delay="indefinite"/>
-                      </p:stCondLst>
-                      <p:childTnLst>
-                        <p:par>
-                          <p:cTn id="20" fill="hold">
-                            <p:stCondLst>
-                              <p:cond delay="0"/>
-                            </p:stCondLst>
-                            <p:childTnLst>
-                              <p:par>
-                                <p:cTn id="21" presetID="1" presetClass="entr" presetSubtype="0" fill="hold" grpId="0" nodeType="clickEffect">
-                                  <p:stCondLst>
-                                    <p:cond delay="0"/>
-                                  </p:stCondLst>
-                                  <p:childTnLst>
-                                    <p:set>
-                                      <p:cBhvr>
-                                        <p:cTn id="22" dur="1" fill="hold">
-                                          <p:stCondLst>
-                                            <p:cond delay="0"/>
-                                          </p:stCondLst>
-                                        </p:cTn>
-                                        <p:tgtEl>
-                                          <p:spTgt spid="4">
-                                            <p:txEl>
-                                              <p:pRg st="3" end="3"/>
-                                            </p:txEl>
-                                          </p:spTgt>
-                                        </p:tgtEl>
-                                        <p:attrNameLst>
-                                          <p:attrName>style.visibility</p:attrName>
-                                        </p:attrNameLst>
-                                      </p:cBhvr>
-                                      <p:to>
-                                        <p:strVal val="visible"/>
-                                      </p:to>
-                                    </p:set>
-                                  </p:childTnLst>
-                                </p:cTn>
-                              </p:par>
-                            </p:childTnLst>
-                          </p:cTn>
-                        </p:par>
-                      </p:childTnLst>
-                    </p:cTn>
-                  </p:par>
-                </p:childTnLst>
-              </p:cTn>
-              <p:prevCondLst>
-                <p:cond evt="onPrev" delay="0">
-                  <p:tgtEl>
-                    <p:sldTgt/>
-                  </p:tgtEl>
-                </p:cond>
-              </p:prevCondLst>
-              <p:nextCondLst>
-                <p:cond evt="onNext" delay="0">
-                  <p:tgtEl>
-                    <p:sldTgt/>
-                  </p:tgtEl>
-                </p:cond>
-              </p:nextCondLst>
-            </p:seq>
-          </p:childTnLst>
-        </p:cTn>
-      </p:par>
-    </p:tnLst>
-    <p:bldLst>
-      <p:bldP spid="3" grpId="0" uiExpand="1" build="p"/>
-      <p:bldP spid="4" grpId="0" build="p"/>
-    </p:bldLst>
-  </p:timing>
 </p:sld>
 </file>
 
